--- a/_Presentación__Propuesta_de_proyecto/Editables.pptx
+++ b/_Presentación__Propuesta_de_proyecto/Editables.pptx
@@ -11,6 +11,7 @@
     <p:sldId id="260" r:id="rId5"/>
     <p:sldId id="258" r:id="rId6"/>
     <p:sldId id="261" r:id="rId7"/>
+    <p:sldId id="262" r:id="rId8"/>
   </p:sldIdLst>
   <p:sldSz cx="35999738" cy="35999738"/>
   <p:notesSz cx="6858000" cy="9144000"/>
@@ -109,6 +110,11 @@
       </a:defRPr>
     </a:lvl9pPr>
   </p:defaultTextStyle>
+  <p:extLst>
+    <p:ext uri="{EFAFB233-063F-42B5-8137-9DF3F51BA10A}">
+      <p15:sldGuideLst xmlns:p15="http://schemas.microsoft.com/office/powerpoint/2012/main"/>
+    </p:ext>
+  </p:extLst>
 </p:presentation>
 </file>
 
@@ -3299,6 +3305,13 @@
         </dgm:presLayoutVars>
       </dgm:prSet>
       <dgm:spPr/>
+      <dgm:t>
+        <a:bodyPr/>
+        <a:lstStyle/>
+        <a:p>
+          <a:endParaRPr lang="es-MX"/>
+        </a:p>
+      </dgm:t>
     </dgm:pt>
     <dgm:pt modelId="{1D2FA5E6-B6C8-4E4F-BDC7-674F5BF168E9}" type="pres">
       <dgm:prSet presAssocID="{B8D4B590-ADE2-42FE-B028-5BB78899645B}" presName="circleA" presStyleLbl="node1" presStyleIdx="0" presStyleCnt="4" custScaleX="122260" custScaleY="122260"/>
@@ -3329,6 +3342,13 @@
         </dgm:presLayoutVars>
       </dgm:prSet>
       <dgm:spPr/>
+      <dgm:t>
+        <a:bodyPr/>
+        <a:lstStyle/>
+        <a:p>
+          <a:endParaRPr lang="es-MX"/>
+        </a:p>
+      </dgm:t>
     </dgm:pt>
     <dgm:pt modelId="{2EE949D4-06BC-47E9-89E3-21A85CDF225B}" type="pres">
       <dgm:prSet presAssocID="{27771DCF-42F3-45F4-9148-25BA2F80EDC7}" presName="circleB" presStyleLbl="node1" presStyleIdx="1" presStyleCnt="4" custScaleX="122260" custScaleY="122260"/>
@@ -3357,6 +3377,13 @@
         </dgm:presLayoutVars>
       </dgm:prSet>
       <dgm:spPr/>
+      <dgm:t>
+        <a:bodyPr/>
+        <a:lstStyle/>
+        <a:p>
+          <a:endParaRPr lang="es-MX"/>
+        </a:p>
+      </dgm:t>
     </dgm:pt>
     <dgm:pt modelId="{D5794BDF-0354-4D85-87D9-AB090C948BEB}" type="pres">
       <dgm:prSet presAssocID="{A2741046-C147-445C-836F-601C9A9B5B31}" presName="circleA" presStyleLbl="node1" presStyleIdx="2" presStyleCnt="4" custScaleX="122260" custScaleY="122260"/>
@@ -3385,6 +3412,13 @@
         </dgm:presLayoutVars>
       </dgm:prSet>
       <dgm:spPr/>
+      <dgm:t>
+        <a:bodyPr/>
+        <a:lstStyle/>
+        <a:p>
+          <a:endParaRPr lang="es-MX"/>
+        </a:p>
+      </dgm:t>
     </dgm:pt>
     <dgm:pt modelId="{E9DF1AEF-D1D9-463B-8116-3F1D981FFD96}" type="pres">
       <dgm:prSet presAssocID="{CC29CDBC-F249-48B0-86FC-C9F7A116A328}" presName="circleB" presStyleLbl="node1" presStyleIdx="3" presStyleCnt="4" custScaleX="122260" custScaleY="122260"/>
@@ -3402,15 +3436,15 @@
     </dgm:pt>
   </dgm:ptLst>
   <dgm:cxnLst>
+    <dgm:cxn modelId="{2AAEF790-A35A-433B-885B-3E65F1190C60}" type="presOf" srcId="{CC29CDBC-F249-48B0-86FC-C9F7A116A328}" destId="{74D9C024-FC10-4B8F-BA83-348F88D96874}" srcOrd="0" destOrd="0" presId="urn:microsoft.com/office/officeart/2005/8/layout/hProcess11"/>
+    <dgm:cxn modelId="{5005C241-93ED-4157-A8A8-13D91DC11D1F}" type="presOf" srcId="{A2741046-C147-445C-836F-601C9A9B5B31}" destId="{E7030B06-E963-4B04-B84D-10295E472AC5}" srcOrd="0" destOrd="0" presId="urn:microsoft.com/office/officeart/2005/8/layout/hProcess11"/>
+    <dgm:cxn modelId="{CDC52835-09BC-4578-B919-6F56CF5B5A2C}" srcId="{2CC2F1EE-3A4D-46E4-A584-78DE00DCC01D}" destId="{A2741046-C147-445C-836F-601C9A9B5B31}" srcOrd="2" destOrd="0" parTransId="{B2D33A24-237F-49FB-91B4-E3F40BA05B20}" sibTransId="{696D0447-A099-47EE-BEC7-B0A7A66FB2D6}"/>
+    <dgm:cxn modelId="{43127F0A-A482-4DB0-B456-AB236C4A8FD1}" type="presOf" srcId="{2CC2F1EE-3A4D-46E4-A584-78DE00DCC01D}" destId="{05D764B1-F1FB-4728-BEEE-85BEDFF5B954}" srcOrd="0" destOrd="0" presId="urn:microsoft.com/office/officeart/2005/8/layout/hProcess11"/>
+    <dgm:cxn modelId="{434D7D94-498D-4D16-B58F-D146A85038D7}" srcId="{2CC2F1EE-3A4D-46E4-A584-78DE00DCC01D}" destId="{CC29CDBC-F249-48B0-86FC-C9F7A116A328}" srcOrd="3" destOrd="0" parTransId="{30E24248-8871-4B96-B1DF-B4A9B9047E23}" sibTransId="{77CC31AB-BB36-41CE-BA60-D52B0334F891}"/>
+    <dgm:cxn modelId="{CC183219-E559-47FA-BA48-D0F01F29102C}" srcId="{2CC2F1EE-3A4D-46E4-A584-78DE00DCC01D}" destId="{27771DCF-42F3-45F4-9148-25BA2F80EDC7}" srcOrd="1" destOrd="0" parTransId="{DDA616D7-FFF0-424D-9D7E-DBB79BBE6213}" sibTransId="{00EA57D5-169C-43E2-9653-E691B47272F8}"/>
     <dgm:cxn modelId="{A69B4A28-96F6-4F8B-A4C8-3953D8D93258}" type="presOf" srcId="{27771DCF-42F3-45F4-9148-25BA2F80EDC7}" destId="{1D686DF3-DB1D-4C15-96BA-1275C940C637}" srcOrd="0" destOrd="0" presId="urn:microsoft.com/office/officeart/2005/8/layout/hProcess11"/>
-    <dgm:cxn modelId="{5005C241-93ED-4157-A8A8-13D91DC11D1F}" type="presOf" srcId="{A2741046-C147-445C-836F-601C9A9B5B31}" destId="{E7030B06-E963-4B04-B84D-10295E472AC5}" srcOrd="0" destOrd="0" presId="urn:microsoft.com/office/officeart/2005/8/layout/hProcess11"/>
-    <dgm:cxn modelId="{2AAEF790-A35A-433B-885B-3E65F1190C60}" type="presOf" srcId="{CC29CDBC-F249-48B0-86FC-C9F7A116A328}" destId="{74D9C024-FC10-4B8F-BA83-348F88D96874}" srcOrd="0" destOrd="0" presId="urn:microsoft.com/office/officeart/2005/8/layout/hProcess11"/>
-    <dgm:cxn modelId="{434D7D94-498D-4D16-B58F-D146A85038D7}" srcId="{2CC2F1EE-3A4D-46E4-A584-78DE00DCC01D}" destId="{CC29CDBC-F249-48B0-86FC-C9F7A116A328}" srcOrd="3" destOrd="0" parTransId="{30E24248-8871-4B96-B1DF-B4A9B9047E23}" sibTransId="{77CC31AB-BB36-41CE-BA60-D52B0334F891}"/>
+    <dgm:cxn modelId="{7C54B3BC-939C-4B50-9270-E7BC8E7DECFB}" type="presOf" srcId="{B8D4B590-ADE2-42FE-B028-5BB78899645B}" destId="{4E70EAB7-C318-4C5A-A94C-E30007902EEA}" srcOrd="0" destOrd="0" presId="urn:microsoft.com/office/officeart/2005/8/layout/hProcess11"/>
     <dgm:cxn modelId="{440EDAD0-407D-497F-8581-3A9FF77FA388}" srcId="{2CC2F1EE-3A4D-46E4-A584-78DE00DCC01D}" destId="{B8D4B590-ADE2-42FE-B028-5BB78899645B}" srcOrd="0" destOrd="0" parTransId="{6EDBB913-F4F9-4B17-8139-E95B9B6133D1}" sibTransId="{B71FC84E-02FE-4AA4-B9E7-2AE66CC28F13}"/>
-    <dgm:cxn modelId="{CC183219-E559-47FA-BA48-D0F01F29102C}" srcId="{2CC2F1EE-3A4D-46E4-A584-78DE00DCC01D}" destId="{27771DCF-42F3-45F4-9148-25BA2F80EDC7}" srcOrd="1" destOrd="0" parTransId="{DDA616D7-FFF0-424D-9D7E-DBB79BBE6213}" sibTransId="{00EA57D5-169C-43E2-9653-E691B47272F8}"/>
-    <dgm:cxn modelId="{43127F0A-A482-4DB0-B456-AB236C4A8FD1}" type="presOf" srcId="{2CC2F1EE-3A4D-46E4-A584-78DE00DCC01D}" destId="{05D764B1-F1FB-4728-BEEE-85BEDFF5B954}" srcOrd="0" destOrd="0" presId="urn:microsoft.com/office/officeart/2005/8/layout/hProcess11"/>
-    <dgm:cxn modelId="{CDC52835-09BC-4578-B919-6F56CF5B5A2C}" srcId="{2CC2F1EE-3A4D-46E4-A584-78DE00DCC01D}" destId="{A2741046-C147-445C-836F-601C9A9B5B31}" srcOrd="2" destOrd="0" parTransId="{B2D33A24-237F-49FB-91B4-E3F40BA05B20}" sibTransId="{696D0447-A099-47EE-BEC7-B0A7A66FB2D6}"/>
-    <dgm:cxn modelId="{7C54B3BC-939C-4B50-9270-E7BC8E7DECFB}" type="presOf" srcId="{B8D4B590-ADE2-42FE-B028-5BB78899645B}" destId="{4E70EAB7-C318-4C5A-A94C-E30007902EEA}" srcOrd="0" destOrd="0" presId="urn:microsoft.com/office/officeart/2005/8/layout/hProcess11"/>
     <dgm:cxn modelId="{7CEA458C-71F7-4EE0-86A6-FCCC20075CA5}" type="presParOf" srcId="{05D764B1-F1FB-4728-BEEE-85BEDFF5B954}" destId="{0B47E64B-98AE-49E6-8BCB-F8C9A92A5400}" srcOrd="0" destOrd="0" presId="urn:microsoft.com/office/officeart/2005/8/layout/hProcess11"/>
     <dgm:cxn modelId="{A9A56455-4F1D-4A9F-B33E-2FBEC847FA53}" type="presParOf" srcId="{05D764B1-F1FB-4728-BEEE-85BEDFF5B954}" destId="{C9F090E0-316E-4E3D-9831-E423FE51D731}" srcOrd="1" destOrd="0" presId="urn:microsoft.com/office/officeart/2005/8/layout/hProcess11"/>
     <dgm:cxn modelId="{CB0EF473-F98C-453E-9F52-1CDE093EDC46}" type="presParOf" srcId="{C9F090E0-316E-4E3D-9831-E423FE51D731}" destId="{E705E2A2-9E2D-4052-9249-2800F410DF3B}" srcOrd="0" destOrd="0" presId="urn:microsoft.com/office/officeart/2005/8/layout/hProcess11"/>
@@ -3626,6 +3660,13 @@
         </dgm:presLayoutVars>
       </dgm:prSet>
       <dgm:spPr/>
+      <dgm:t>
+        <a:bodyPr/>
+        <a:lstStyle/>
+        <a:p>
+          <a:endParaRPr lang="es-MX"/>
+        </a:p>
+      </dgm:t>
     </dgm:pt>
     <dgm:pt modelId="{1D2FA5E6-B6C8-4E4F-BDC7-674F5BF168E9}" type="pres">
       <dgm:prSet presAssocID="{B8D4B590-ADE2-42FE-B028-5BB78899645B}" presName="circleA" presStyleLbl="node1" presStyleIdx="0" presStyleCnt="4" custScaleX="122260" custScaleY="122260"/>
@@ -3656,6 +3697,13 @@
         </dgm:presLayoutVars>
       </dgm:prSet>
       <dgm:spPr/>
+      <dgm:t>
+        <a:bodyPr/>
+        <a:lstStyle/>
+        <a:p>
+          <a:endParaRPr lang="es-MX"/>
+        </a:p>
+      </dgm:t>
     </dgm:pt>
     <dgm:pt modelId="{2EE949D4-06BC-47E9-89E3-21A85CDF225B}" type="pres">
       <dgm:prSet presAssocID="{27771DCF-42F3-45F4-9148-25BA2F80EDC7}" presName="circleB" presStyleLbl="node1" presStyleIdx="1" presStyleCnt="4" custScaleX="122260" custScaleY="122260"/>
@@ -3684,6 +3732,13 @@
         </dgm:presLayoutVars>
       </dgm:prSet>
       <dgm:spPr/>
+      <dgm:t>
+        <a:bodyPr/>
+        <a:lstStyle/>
+        <a:p>
+          <a:endParaRPr lang="es-MX"/>
+        </a:p>
+      </dgm:t>
     </dgm:pt>
     <dgm:pt modelId="{D5794BDF-0354-4D85-87D9-AB090C948BEB}" type="pres">
       <dgm:prSet presAssocID="{A2741046-C147-445C-836F-601C9A9B5B31}" presName="circleA" presStyleLbl="node1" presStyleIdx="2" presStyleCnt="4" custScaleX="122260" custScaleY="122260"/>
@@ -3712,6 +3767,13 @@
         </dgm:presLayoutVars>
       </dgm:prSet>
       <dgm:spPr/>
+      <dgm:t>
+        <a:bodyPr/>
+        <a:lstStyle/>
+        <a:p>
+          <a:endParaRPr lang="es-MX"/>
+        </a:p>
+      </dgm:t>
     </dgm:pt>
     <dgm:pt modelId="{E9DF1AEF-D1D9-463B-8116-3F1D981FFD96}" type="pres">
       <dgm:prSet presAssocID="{CC29CDBC-F249-48B0-86FC-C9F7A116A328}" presName="circleB" presStyleLbl="node1" presStyleIdx="3" presStyleCnt="4" custScaleX="122260" custScaleY="122260"/>
@@ -3953,6 +4015,13 @@
         </dgm:presLayoutVars>
       </dgm:prSet>
       <dgm:spPr/>
+      <dgm:t>
+        <a:bodyPr/>
+        <a:lstStyle/>
+        <a:p>
+          <a:endParaRPr lang="es-MX"/>
+        </a:p>
+      </dgm:t>
     </dgm:pt>
     <dgm:pt modelId="{1D2FA5E6-B6C8-4E4F-BDC7-674F5BF168E9}" type="pres">
       <dgm:prSet presAssocID="{B8D4B590-ADE2-42FE-B028-5BB78899645B}" presName="circleA" presStyleLbl="node1" presStyleIdx="0" presStyleCnt="4" custScaleX="122260" custScaleY="122260"/>
@@ -3983,6 +4052,13 @@
         </dgm:presLayoutVars>
       </dgm:prSet>
       <dgm:spPr/>
+      <dgm:t>
+        <a:bodyPr/>
+        <a:lstStyle/>
+        <a:p>
+          <a:endParaRPr lang="es-MX"/>
+        </a:p>
+      </dgm:t>
     </dgm:pt>
     <dgm:pt modelId="{2EE949D4-06BC-47E9-89E3-21A85CDF225B}" type="pres">
       <dgm:prSet presAssocID="{27771DCF-42F3-45F4-9148-25BA2F80EDC7}" presName="circleB" presStyleLbl="node1" presStyleIdx="1" presStyleCnt="4" custScaleX="122260" custScaleY="122260"/>
@@ -4011,6 +4087,13 @@
         </dgm:presLayoutVars>
       </dgm:prSet>
       <dgm:spPr/>
+      <dgm:t>
+        <a:bodyPr/>
+        <a:lstStyle/>
+        <a:p>
+          <a:endParaRPr lang="es-MX"/>
+        </a:p>
+      </dgm:t>
     </dgm:pt>
     <dgm:pt modelId="{D5794BDF-0354-4D85-87D9-AB090C948BEB}" type="pres">
       <dgm:prSet presAssocID="{A2741046-C147-445C-836F-601C9A9B5B31}" presName="circleA" presStyleLbl="node1" presStyleIdx="2" presStyleCnt="4" custScaleX="122260" custScaleY="122260"/>
@@ -4039,6 +4122,13 @@
         </dgm:presLayoutVars>
       </dgm:prSet>
       <dgm:spPr/>
+      <dgm:t>
+        <a:bodyPr/>
+        <a:lstStyle/>
+        <a:p>
+          <a:endParaRPr lang="es-MX"/>
+        </a:p>
+      </dgm:t>
     </dgm:pt>
     <dgm:pt modelId="{E9DF1AEF-D1D9-463B-8116-3F1D981FFD96}" type="pres">
       <dgm:prSet presAssocID="{CC29CDBC-F249-48B0-86FC-C9F7A116A328}" presName="circleB" presStyleLbl="node1" presStyleIdx="3" presStyleCnt="4" custScaleX="122260" custScaleY="122260"/>
@@ -4056,15 +4146,15 @@
     </dgm:pt>
   </dgm:ptLst>
   <dgm:cxnLst>
+    <dgm:cxn modelId="{6FF5D476-6F53-43AD-A86E-F6725FE820E6}" type="presOf" srcId="{B8D4B590-ADE2-42FE-B028-5BB78899645B}" destId="{4E70EAB7-C318-4C5A-A94C-E30007902EEA}" srcOrd="0" destOrd="0" presId="urn:microsoft.com/office/officeart/2005/8/layout/hProcess11"/>
+    <dgm:cxn modelId="{434D7D94-498D-4D16-B58F-D146A85038D7}" srcId="{2CC2F1EE-3A4D-46E4-A584-78DE00DCC01D}" destId="{CC29CDBC-F249-48B0-86FC-C9F7A116A328}" srcOrd="3" destOrd="0" parTransId="{30E24248-8871-4B96-B1DF-B4A9B9047E23}" sibTransId="{77CC31AB-BB36-41CE-BA60-D52B0334F891}"/>
+    <dgm:cxn modelId="{440EDAD0-407D-497F-8581-3A9FF77FA388}" srcId="{2CC2F1EE-3A4D-46E4-A584-78DE00DCC01D}" destId="{B8D4B590-ADE2-42FE-B028-5BB78899645B}" srcOrd="0" destOrd="0" parTransId="{6EDBB913-F4F9-4B17-8139-E95B9B6133D1}" sibTransId="{B71FC84E-02FE-4AA4-B9E7-2AE66CC28F13}"/>
+    <dgm:cxn modelId="{FF1F5657-BB73-4F01-9FAC-094494E7D906}" type="presOf" srcId="{CC29CDBC-F249-48B0-86FC-C9F7A116A328}" destId="{74D9C024-FC10-4B8F-BA83-348F88D96874}" srcOrd="0" destOrd="0" presId="urn:microsoft.com/office/officeart/2005/8/layout/hProcess11"/>
+    <dgm:cxn modelId="{CC183219-E559-47FA-BA48-D0F01F29102C}" srcId="{2CC2F1EE-3A4D-46E4-A584-78DE00DCC01D}" destId="{27771DCF-42F3-45F4-9148-25BA2F80EDC7}" srcOrd="1" destOrd="0" parTransId="{DDA616D7-FFF0-424D-9D7E-DBB79BBE6213}" sibTransId="{00EA57D5-169C-43E2-9653-E691B47272F8}"/>
+    <dgm:cxn modelId="{CDC52835-09BC-4578-B919-6F56CF5B5A2C}" srcId="{2CC2F1EE-3A4D-46E4-A584-78DE00DCC01D}" destId="{A2741046-C147-445C-836F-601C9A9B5B31}" srcOrd="2" destOrd="0" parTransId="{B2D33A24-237F-49FB-91B4-E3F40BA05B20}" sibTransId="{696D0447-A099-47EE-BEC7-B0A7A66FB2D6}"/>
     <dgm:cxn modelId="{31EDB2AD-F994-40D1-B309-C466B975DBFF}" type="presOf" srcId="{2CC2F1EE-3A4D-46E4-A584-78DE00DCC01D}" destId="{05D764B1-F1FB-4728-BEEE-85BEDFF5B954}" srcOrd="0" destOrd="0" presId="urn:microsoft.com/office/officeart/2005/8/layout/hProcess11"/>
     <dgm:cxn modelId="{21DF132C-76A8-4C86-ABFC-754E2826CF36}" type="presOf" srcId="{A2741046-C147-445C-836F-601C9A9B5B31}" destId="{E7030B06-E963-4B04-B84D-10295E472AC5}" srcOrd="0" destOrd="0" presId="urn:microsoft.com/office/officeart/2005/8/layout/hProcess11"/>
-    <dgm:cxn modelId="{CDC52835-09BC-4578-B919-6F56CF5B5A2C}" srcId="{2CC2F1EE-3A4D-46E4-A584-78DE00DCC01D}" destId="{A2741046-C147-445C-836F-601C9A9B5B31}" srcOrd="2" destOrd="0" parTransId="{B2D33A24-237F-49FB-91B4-E3F40BA05B20}" sibTransId="{696D0447-A099-47EE-BEC7-B0A7A66FB2D6}"/>
-    <dgm:cxn modelId="{434D7D94-498D-4D16-B58F-D146A85038D7}" srcId="{2CC2F1EE-3A4D-46E4-A584-78DE00DCC01D}" destId="{CC29CDBC-F249-48B0-86FC-C9F7A116A328}" srcOrd="3" destOrd="0" parTransId="{30E24248-8871-4B96-B1DF-B4A9B9047E23}" sibTransId="{77CC31AB-BB36-41CE-BA60-D52B0334F891}"/>
-    <dgm:cxn modelId="{CC183219-E559-47FA-BA48-D0F01F29102C}" srcId="{2CC2F1EE-3A4D-46E4-A584-78DE00DCC01D}" destId="{27771DCF-42F3-45F4-9148-25BA2F80EDC7}" srcOrd="1" destOrd="0" parTransId="{DDA616D7-FFF0-424D-9D7E-DBB79BBE6213}" sibTransId="{00EA57D5-169C-43E2-9653-E691B47272F8}"/>
     <dgm:cxn modelId="{5591A902-7A7C-48C0-B93E-6BB4DA0AC712}" type="presOf" srcId="{27771DCF-42F3-45F4-9148-25BA2F80EDC7}" destId="{1D686DF3-DB1D-4C15-96BA-1275C940C637}" srcOrd="0" destOrd="0" presId="urn:microsoft.com/office/officeart/2005/8/layout/hProcess11"/>
-    <dgm:cxn modelId="{6FF5D476-6F53-43AD-A86E-F6725FE820E6}" type="presOf" srcId="{B8D4B590-ADE2-42FE-B028-5BB78899645B}" destId="{4E70EAB7-C318-4C5A-A94C-E30007902EEA}" srcOrd="0" destOrd="0" presId="urn:microsoft.com/office/officeart/2005/8/layout/hProcess11"/>
-    <dgm:cxn modelId="{FF1F5657-BB73-4F01-9FAC-094494E7D906}" type="presOf" srcId="{CC29CDBC-F249-48B0-86FC-C9F7A116A328}" destId="{74D9C024-FC10-4B8F-BA83-348F88D96874}" srcOrd="0" destOrd="0" presId="urn:microsoft.com/office/officeart/2005/8/layout/hProcess11"/>
-    <dgm:cxn modelId="{440EDAD0-407D-497F-8581-3A9FF77FA388}" srcId="{2CC2F1EE-3A4D-46E4-A584-78DE00DCC01D}" destId="{B8D4B590-ADE2-42FE-B028-5BB78899645B}" srcOrd="0" destOrd="0" parTransId="{6EDBB913-F4F9-4B17-8139-E95B9B6133D1}" sibTransId="{B71FC84E-02FE-4AA4-B9E7-2AE66CC28F13}"/>
     <dgm:cxn modelId="{BEC87858-3CF8-4B8B-A7A2-8E7A213E1ABB}" type="presParOf" srcId="{05D764B1-F1FB-4728-BEEE-85BEDFF5B954}" destId="{0B47E64B-98AE-49E6-8BCB-F8C9A92A5400}" srcOrd="0" destOrd="0" presId="urn:microsoft.com/office/officeart/2005/8/layout/hProcess11"/>
     <dgm:cxn modelId="{65A8B330-CE85-4E13-AC83-09C7D62A53B5}" type="presParOf" srcId="{05D764B1-F1FB-4728-BEEE-85BEDFF5B954}" destId="{C9F090E0-316E-4E3D-9831-E423FE51D731}" srcOrd="1" destOrd="0" presId="urn:microsoft.com/office/officeart/2005/8/layout/hProcess11"/>
     <dgm:cxn modelId="{E23BA1FE-E6C1-4878-AE2B-E00AF5B3FB7E}" type="presParOf" srcId="{C9F090E0-316E-4E3D-9831-E423FE51D731}" destId="{E705E2A2-9E2D-4052-9249-2800F410DF3B}" srcOrd="0" destOrd="0" presId="urn:microsoft.com/office/officeart/2005/8/layout/hProcess11"/>
@@ -4280,6 +4370,13 @@
         </dgm:presLayoutVars>
       </dgm:prSet>
       <dgm:spPr/>
+      <dgm:t>
+        <a:bodyPr/>
+        <a:lstStyle/>
+        <a:p>
+          <a:endParaRPr lang="es-MX"/>
+        </a:p>
+      </dgm:t>
     </dgm:pt>
     <dgm:pt modelId="{1D2FA5E6-B6C8-4E4F-BDC7-674F5BF168E9}" type="pres">
       <dgm:prSet presAssocID="{B8D4B590-ADE2-42FE-B028-5BB78899645B}" presName="circleA" presStyleLbl="node1" presStyleIdx="0" presStyleCnt="4"/>
@@ -4304,6 +4401,13 @@
         </dgm:presLayoutVars>
       </dgm:prSet>
       <dgm:spPr/>
+      <dgm:t>
+        <a:bodyPr/>
+        <a:lstStyle/>
+        <a:p>
+          <a:endParaRPr lang="es-MX"/>
+        </a:p>
+      </dgm:t>
     </dgm:pt>
     <dgm:pt modelId="{2EE949D4-06BC-47E9-89E3-21A85CDF225B}" type="pres">
       <dgm:prSet presAssocID="{27771DCF-42F3-45F4-9148-25BA2F80EDC7}" presName="circleB" presStyleLbl="node1" presStyleIdx="1" presStyleCnt="4"/>
@@ -4332,6 +4436,13 @@
         </dgm:presLayoutVars>
       </dgm:prSet>
       <dgm:spPr/>
+      <dgm:t>
+        <a:bodyPr/>
+        <a:lstStyle/>
+        <a:p>
+          <a:endParaRPr lang="es-MX"/>
+        </a:p>
+      </dgm:t>
     </dgm:pt>
     <dgm:pt modelId="{D5794BDF-0354-4D85-87D9-AB090C948BEB}" type="pres">
       <dgm:prSet presAssocID="{A2741046-C147-445C-836F-601C9A9B5B31}" presName="circleA" presStyleLbl="node1" presStyleIdx="2" presStyleCnt="4"/>
@@ -4360,6 +4471,13 @@
         </dgm:presLayoutVars>
       </dgm:prSet>
       <dgm:spPr/>
+      <dgm:t>
+        <a:bodyPr/>
+        <a:lstStyle/>
+        <a:p>
+          <a:endParaRPr lang="es-MX"/>
+        </a:p>
+      </dgm:t>
     </dgm:pt>
     <dgm:pt modelId="{E9DF1AEF-D1D9-463B-8116-3F1D981FFD96}" type="pres">
       <dgm:prSet presAssocID="{CC29CDBC-F249-48B0-86FC-C9F7A116A328}" presName="circleB" presStyleLbl="node1" presStyleIdx="3" presStyleCnt="4"/>
@@ -5854,473 +5972,6 @@
       <dsp:cNvGrpSpPr/>
     </dsp:nvGrpSpPr>
     <dsp:grpSpPr/>
-    <dsp:sp modelId="{0B47E64B-98AE-49E6-8BCB-F8C9A92A5400}">
-      <dsp:nvSpPr>
-        <dsp:cNvPr id="0" name=""/>
-        <dsp:cNvSpPr/>
-      </dsp:nvSpPr>
-      <dsp:spPr>
-        <a:xfrm>
-          <a:off x="0" y="4889523"/>
-          <a:ext cx="30290956" cy="6519364"/>
-        </a:xfrm>
-        <a:prstGeom prst="notchedRightArrow">
-          <a:avLst/>
-        </a:prstGeom>
-        <a:solidFill>
-          <a:schemeClr val="dk2">
-            <a:tint val="40000"/>
-            <a:hueOff val="0"/>
-            <a:satOff val="0"/>
-            <a:lumOff val="0"/>
-            <a:alphaOff val="0"/>
-          </a:schemeClr>
-        </a:solidFill>
-        <a:ln>
-          <a:noFill/>
-        </a:ln>
-        <a:effectLst/>
-      </dsp:spPr>
-      <dsp:style>
-        <a:lnRef idx="0">
-          <a:scrgbClr r="0" g="0" b="0"/>
-        </a:lnRef>
-        <a:fillRef idx="1">
-          <a:scrgbClr r="0" g="0" b="0"/>
-        </a:fillRef>
-        <a:effectRef idx="0">
-          <a:scrgbClr r="0" g="0" b="0"/>
-        </a:effectRef>
-        <a:fontRef idx="minor"/>
-      </dsp:style>
-    </dsp:sp>
-    <dsp:sp modelId="{4E70EAB7-C318-4C5A-A94C-E30007902EEA}">
-      <dsp:nvSpPr>
-        <dsp:cNvPr id="0" name=""/>
-        <dsp:cNvSpPr/>
-      </dsp:nvSpPr>
-      <dsp:spPr>
-        <a:xfrm>
-          <a:off x="13644" y="0"/>
-          <a:ext cx="6562547" cy="6519364"/>
-        </a:xfrm>
-        <a:prstGeom prst="rect">
-          <a:avLst/>
-        </a:prstGeom>
-        <a:noFill/>
-        <a:ln>
-          <a:noFill/>
-        </a:ln>
-        <a:effectLst/>
-      </dsp:spPr>
-      <dsp:style>
-        <a:lnRef idx="0">
-          <a:scrgbClr r="0" g="0" b="0"/>
-        </a:lnRef>
-        <a:fillRef idx="0">
-          <a:scrgbClr r="0" g="0" b="0"/>
-        </a:fillRef>
-        <a:effectRef idx="0">
-          <a:scrgbClr r="0" g="0" b="0"/>
-        </a:effectRef>
-        <a:fontRef idx="minor"/>
-      </dsp:style>
-      <dsp:txBody>
-        <a:bodyPr spcFirstLastPara="0" vert="horz" wrap="square" lIns="462280" tIns="462280" rIns="462280" bIns="462280" numCol="1" spcCol="1270" anchor="b" anchorCtr="0">
-          <a:noAutofit/>
-        </a:bodyPr>
-        <a:lstStyle/>
-        <a:p>
-          <a:pPr lvl="0" algn="ctr" defTabSz="2889250">
-            <a:lnSpc>
-              <a:spcPct val="90000"/>
-            </a:lnSpc>
-            <a:spcBef>
-              <a:spcPct val="0"/>
-            </a:spcBef>
-            <a:spcAft>
-              <a:spcPct val="35000"/>
-            </a:spcAft>
-          </a:pPr>
-          <a:r>
-            <a:rPr lang="es-MX" sz="6500" kern="1200" dirty="0" smtClean="0"/>
-            <a:t>Invierno</a:t>
-          </a:r>
-          <a:endParaRPr lang="es-MX" sz="6500" kern="1200" dirty="0"/>
-        </a:p>
-      </dsp:txBody>
-      <dsp:txXfrm>
-        <a:off x="13644" y="0"/>
-        <a:ext cx="6562547" cy="6519364"/>
-      </dsp:txXfrm>
-    </dsp:sp>
-    <dsp:sp modelId="{1D2FA5E6-B6C8-4E4F-BDC7-674F5BF168E9}">
-      <dsp:nvSpPr>
-        <dsp:cNvPr id="0" name=""/>
-        <dsp:cNvSpPr/>
-      </dsp:nvSpPr>
-      <dsp:spPr>
-        <a:xfrm>
-          <a:off x="2479997" y="7334285"/>
-          <a:ext cx="1629841" cy="1629841"/>
-        </a:xfrm>
-        <a:prstGeom prst="ellipse">
-          <a:avLst/>
-        </a:prstGeom>
-        <a:solidFill>
-          <a:schemeClr val="dk2">
-            <a:hueOff val="0"/>
-            <a:satOff val="0"/>
-            <a:lumOff val="0"/>
-            <a:alphaOff val="0"/>
-          </a:schemeClr>
-        </a:solidFill>
-        <a:ln w="12700" cap="flat" cmpd="sng" algn="ctr">
-          <a:solidFill>
-            <a:schemeClr val="lt2">
-              <a:hueOff val="0"/>
-              <a:satOff val="0"/>
-              <a:lumOff val="0"/>
-              <a:alphaOff val="0"/>
-            </a:schemeClr>
-          </a:solidFill>
-          <a:prstDash val="solid"/>
-          <a:miter lim="800000"/>
-        </a:ln>
-        <a:effectLst/>
-      </dsp:spPr>
-      <dsp:style>
-        <a:lnRef idx="2">
-          <a:scrgbClr r="0" g="0" b="0"/>
-        </a:lnRef>
-        <a:fillRef idx="1">
-          <a:scrgbClr r="0" g="0" b="0"/>
-        </a:fillRef>
-        <a:effectRef idx="0">
-          <a:scrgbClr r="0" g="0" b="0"/>
-        </a:effectRef>
-        <a:fontRef idx="minor">
-          <a:schemeClr val="lt1"/>
-        </a:fontRef>
-      </dsp:style>
-    </dsp:sp>
-    <dsp:sp modelId="{1D686DF3-DB1D-4C15-96BA-1275C940C637}">
-      <dsp:nvSpPr>
-        <dsp:cNvPr id="0" name=""/>
-        <dsp:cNvSpPr/>
-      </dsp:nvSpPr>
-      <dsp:spPr>
-        <a:xfrm>
-          <a:off x="6904319" y="9779047"/>
-          <a:ext cx="6562547" cy="6519364"/>
-        </a:xfrm>
-        <a:prstGeom prst="rect">
-          <a:avLst/>
-        </a:prstGeom>
-        <a:noFill/>
-        <a:ln>
-          <a:noFill/>
-        </a:ln>
-        <a:effectLst/>
-      </dsp:spPr>
-      <dsp:style>
-        <a:lnRef idx="0">
-          <a:scrgbClr r="0" g="0" b="0"/>
-        </a:lnRef>
-        <a:fillRef idx="0">
-          <a:scrgbClr r="0" g="0" b="0"/>
-        </a:fillRef>
-        <a:effectRef idx="0">
-          <a:scrgbClr r="0" g="0" b="0"/>
-        </a:effectRef>
-        <a:fontRef idx="minor"/>
-      </dsp:style>
-      <dsp:txBody>
-        <a:bodyPr spcFirstLastPara="0" vert="horz" wrap="square" lIns="462280" tIns="462280" rIns="462280" bIns="462280" numCol="1" spcCol="1270" anchor="t" anchorCtr="0">
-          <a:noAutofit/>
-        </a:bodyPr>
-        <a:lstStyle/>
-        <a:p>
-          <a:pPr lvl="0" algn="ctr" defTabSz="2889250">
-            <a:lnSpc>
-              <a:spcPct val="90000"/>
-            </a:lnSpc>
-            <a:spcBef>
-              <a:spcPct val="0"/>
-            </a:spcBef>
-            <a:spcAft>
-              <a:spcPct val="35000"/>
-            </a:spcAft>
-          </a:pPr>
-          <a:r>
-            <a:rPr lang="es-MX" sz="6500" kern="1200" dirty="0" smtClean="0"/>
-            <a:t>Primavera</a:t>
-          </a:r>
-          <a:endParaRPr lang="es-MX" sz="6500" kern="1200" dirty="0"/>
-        </a:p>
-      </dsp:txBody>
-      <dsp:txXfrm>
-        <a:off x="6904319" y="9779047"/>
-        <a:ext cx="6562547" cy="6519364"/>
-      </dsp:txXfrm>
-    </dsp:sp>
-    <dsp:sp modelId="{2EE949D4-06BC-47E9-89E3-21A85CDF225B}">
-      <dsp:nvSpPr>
-        <dsp:cNvPr id="0" name=""/>
-        <dsp:cNvSpPr/>
-      </dsp:nvSpPr>
-      <dsp:spPr>
-        <a:xfrm>
-          <a:off x="9370672" y="7334285"/>
-          <a:ext cx="1629841" cy="1629841"/>
-        </a:xfrm>
-        <a:prstGeom prst="ellipse">
-          <a:avLst/>
-        </a:prstGeom>
-        <a:solidFill>
-          <a:srgbClr val="00B050"/>
-        </a:solidFill>
-        <a:ln w="12700" cap="flat" cmpd="sng" algn="ctr">
-          <a:solidFill>
-            <a:schemeClr val="lt2">
-              <a:hueOff val="0"/>
-              <a:satOff val="0"/>
-              <a:lumOff val="0"/>
-              <a:alphaOff val="0"/>
-            </a:schemeClr>
-          </a:solidFill>
-          <a:prstDash val="solid"/>
-          <a:miter lim="800000"/>
-        </a:ln>
-        <a:effectLst/>
-      </dsp:spPr>
-      <dsp:style>
-        <a:lnRef idx="2">
-          <a:scrgbClr r="0" g="0" b="0"/>
-        </a:lnRef>
-        <a:fillRef idx="1">
-          <a:scrgbClr r="0" g="0" b="0"/>
-        </a:fillRef>
-        <a:effectRef idx="0">
-          <a:scrgbClr r="0" g="0" b="0"/>
-        </a:effectRef>
-        <a:fontRef idx="minor">
-          <a:schemeClr val="lt1"/>
-        </a:fontRef>
-      </dsp:style>
-    </dsp:sp>
-    <dsp:sp modelId="{E7030B06-E963-4B04-B84D-10295E472AC5}">
-      <dsp:nvSpPr>
-        <dsp:cNvPr id="0" name=""/>
-        <dsp:cNvSpPr/>
-      </dsp:nvSpPr>
-      <dsp:spPr>
-        <a:xfrm>
-          <a:off x="13794993" y="0"/>
-          <a:ext cx="6562547" cy="6519364"/>
-        </a:xfrm>
-        <a:prstGeom prst="rect">
-          <a:avLst/>
-        </a:prstGeom>
-        <a:noFill/>
-        <a:ln>
-          <a:noFill/>
-        </a:ln>
-        <a:effectLst/>
-      </dsp:spPr>
-      <dsp:style>
-        <a:lnRef idx="0">
-          <a:scrgbClr r="0" g="0" b="0"/>
-        </a:lnRef>
-        <a:fillRef idx="0">
-          <a:scrgbClr r="0" g="0" b="0"/>
-        </a:fillRef>
-        <a:effectRef idx="0">
-          <a:scrgbClr r="0" g="0" b="0"/>
-        </a:effectRef>
-        <a:fontRef idx="minor"/>
-      </dsp:style>
-      <dsp:txBody>
-        <a:bodyPr spcFirstLastPara="0" vert="horz" wrap="square" lIns="462280" tIns="462280" rIns="462280" bIns="462280" numCol="1" spcCol="1270" anchor="b" anchorCtr="0">
-          <a:noAutofit/>
-        </a:bodyPr>
-        <a:lstStyle/>
-        <a:p>
-          <a:pPr lvl="0" algn="ctr" defTabSz="2889250">
-            <a:lnSpc>
-              <a:spcPct val="90000"/>
-            </a:lnSpc>
-            <a:spcBef>
-              <a:spcPct val="0"/>
-            </a:spcBef>
-            <a:spcAft>
-              <a:spcPct val="35000"/>
-            </a:spcAft>
-          </a:pPr>
-          <a:r>
-            <a:rPr lang="es-MX" sz="6500" kern="1200" dirty="0" smtClean="0"/>
-            <a:t>Verano</a:t>
-          </a:r>
-          <a:endParaRPr lang="es-MX" sz="6500" kern="1200" dirty="0"/>
-        </a:p>
-      </dsp:txBody>
-      <dsp:txXfrm>
-        <a:off x="13794993" y="0"/>
-        <a:ext cx="6562547" cy="6519364"/>
-      </dsp:txXfrm>
-    </dsp:sp>
-    <dsp:sp modelId="{D5794BDF-0354-4D85-87D9-AB090C948BEB}">
-      <dsp:nvSpPr>
-        <dsp:cNvPr id="0" name=""/>
-        <dsp:cNvSpPr/>
-      </dsp:nvSpPr>
-      <dsp:spPr>
-        <a:xfrm>
-          <a:off x="16261347" y="7334285"/>
-          <a:ext cx="1629841" cy="1629841"/>
-        </a:xfrm>
-        <a:prstGeom prst="ellipse">
-          <a:avLst/>
-        </a:prstGeom>
-        <a:solidFill>
-          <a:schemeClr val="accent4"/>
-        </a:solidFill>
-        <a:ln w="12700" cap="flat" cmpd="sng" algn="ctr">
-          <a:solidFill>
-            <a:schemeClr val="lt2">
-              <a:hueOff val="0"/>
-              <a:satOff val="0"/>
-              <a:lumOff val="0"/>
-              <a:alphaOff val="0"/>
-            </a:schemeClr>
-          </a:solidFill>
-          <a:prstDash val="solid"/>
-          <a:miter lim="800000"/>
-        </a:ln>
-        <a:effectLst/>
-      </dsp:spPr>
-      <dsp:style>
-        <a:lnRef idx="2">
-          <a:scrgbClr r="0" g="0" b="0"/>
-        </a:lnRef>
-        <a:fillRef idx="1">
-          <a:scrgbClr r="0" g="0" b="0"/>
-        </a:fillRef>
-        <a:effectRef idx="0">
-          <a:scrgbClr r="0" g="0" b="0"/>
-        </a:effectRef>
-        <a:fontRef idx="minor">
-          <a:schemeClr val="lt1"/>
-        </a:fontRef>
-      </dsp:style>
-    </dsp:sp>
-    <dsp:sp modelId="{74D9C024-FC10-4B8F-BA83-348F88D96874}">
-      <dsp:nvSpPr>
-        <dsp:cNvPr id="0" name=""/>
-        <dsp:cNvSpPr/>
-      </dsp:nvSpPr>
-      <dsp:spPr>
-        <a:xfrm>
-          <a:off x="20685668" y="9779047"/>
-          <a:ext cx="6562547" cy="6519364"/>
-        </a:xfrm>
-        <a:prstGeom prst="rect">
-          <a:avLst/>
-        </a:prstGeom>
-        <a:noFill/>
-        <a:ln>
-          <a:noFill/>
-        </a:ln>
-        <a:effectLst/>
-      </dsp:spPr>
-      <dsp:style>
-        <a:lnRef idx="0">
-          <a:scrgbClr r="0" g="0" b="0"/>
-        </a:lnRef>
-        <a:fillRef idx="0">
-          <a:scrgbClr r="0" g="0" b="0"/>
-        </a:fillRef>
-        <a:effectRef idx="0">
-          <a:scrgbClr r="0" g="0" b="0"/>
-        </a:effectRef>
-        <a:fontRef idx="minor"/>
-      </dsp:style>
-      <dsp:txBody>
-        <a:bodyPr spcFirstLastPara="0" vert="horz" wrap="square" lIns="462280" tIns="462280" rIns="462280" bIns="462280" numCol="1" spcCol="1270" anchor="t" anchorCtr="0">
-          <a:noAutofit/>
-        </a:bodyPr>
-        <a:lstStyle/>
-        <a:p>
-          <a:pPr lvl="0" algn="ctr" defTabSz="2889250">
-            <a:lnSpc>
-              <a:spcPct val="90000"/>
-            </a:lnSpc>
-            <a:spcBef>
-              <a:spcPct val="0"/>
-            </a:spcBef>
-            <a:spcAft>
-              <a:spcPct val="35000"/>
-            </a:spcAft>
-          </a:pPr>
-          <a:r>
-            <a:rPr lang="es-MX" sz="6500" kern="1200" dirty="0" smtClean="0"/>
-            <a:t>Otoño</a:t>
-          </a:r>
-          <a:endParaRPr lang="es-MX" sz="6500" kern="1200" dirty="0"/>
-        </a:p>
-      </dsp:txBody>
-      <dsp:txXfrm>
-        <a:off x="20685668" y="9779047"/>
-        <a:ext cx="6562547" cy="6519364"/>
-      </dsp:txXfrm>
-    </dsp:sp>
-    <dsp:sp modelId="{E9DF1AEF-D1D9-463B-8116-3F1D981FFD96}">
-      <dsp:nvSpPr>
-        <dsp:cNvPr id="0" name=""/>
-        <dsp:cNvSpPr/>
-      </dsp:nvSpPr>
-      <dsp:spPr>
-        <a:xfrm>
-          <a:off x="23152021" y="7334285"/>
-          <a:ext cx="1629841" cy="1629841"/>
-        </a:xfrm>
-        <a:prstGeom prst="ellipse">
-          <a:avLst/>
-        </a:prstGeom>
-        <a:solidFill>
-          <a:schemeClr val="accent2">
-            <a:lumMod val="75000"/>
-          </a:schemeClr>
-        </a:solidFill>
-        <a:ln w="12700" cap="flat" cmpd="sng" algn="ctr">
-          <a:solidFill>
-            <a:schemeClr val="lt2">
-              <a:hueOff val="0"/>
-              <a:satOff val="0"/>
-              <a:lumOff val="0"/>
-              <a:alphaOff val="0"/>
-            </a:schemeClr>
-          </a:solidFill>
-          <a:prstDash val="solid"/>
-          <a:miter lim="800000"/>
-        </a:ln>
-        <a:effectLst/>
-      </dsp:spPr>
-      <dsp:style>
-        <a:lnRef idx="2">
-          <a:scrgbClr r="0" g="0" b="0"/>
-        </a:lnRef>
-        <a:fillRef idx="1">
-          <a:scrgbClr r="0" g="0" b="0"/>
-        </a:fillRef>
-        <a:effectRef idx="0">
-          <a:scrgbClr r="0" g="0" b="0"/>
-        </a:effectRef>
-        <a:fontRef idx="minor">
-          <a:schemeClr val="lt1"/>
-        </a:fontRef>
-      </dsp:style>
-    </dsp:sp>
   </dsp:spTree>
 </dsp:drawing>
 </file>
@@ -11680,7 +11331,7 @@
           <a:p>
             <a:fld id="{F5310C8A-86F5-4E21-910C-8BDBE574C86E}" type="datetimeFigureOut">
               <a:rPr lang="es-MX" smtClean="0"/>
-              <a:t>03/10/2025</a:t>
+              <a:t>04/10/2025</a:t>
             </a:fld>
             <a:endParaRPr lang="es-MX"/>
           </a:p>
@@ -11850,7 +11501,7 @@
           <a:p>
             <a:fld id="{F5310C8A-86F5-4E21-910C-8BDBE574C86E}" type="datetimeFigureOut">
               <a:rPr lang="es-MX" smtClean="0"/>
-              <a:t>03/10/2025</a:t>
+              <a:t>04/10/2025</a:t>
             </a:fld>
             <a:endParaRPr lang="es-MX"/>
           </a:p>
@@ -12030,7 +11681,7 @@
           <a:p>
             <a:fld id="{F5310C8A-86F5-4E21-910C-8BDBE574C86E}" type="datetimeFigureOut">
               <a:rPr lang="es-MX" smtClean="0"/>
-              <a:t>03/10/2025</a:t>
+              <a:t>04/10/2025</a:t>
             </a:fld>
             <a:endParaRPr lang="es-MX"/>
           </a:p>
@@ -12200,7 +11851,7 @@
           <a:p>
             <a:fld id="{F5310C8A-86F5-4E21-910C-8BDBE574C86E}" type="datetimeFigureOut">
               <a:rPr lang="es-MX" smtClean="0"/>
-              <a:t>03/10/2025</a:t>
+              <a:t>04/10/2025</a:t>
             </a:fld>
             <a:endParaRPr lang="es-MX"/>
           </a:p>
@@ -12444,7 +12095,7 @@
           <a:p>
             <a:fld id="{F5310C8A-86F5-4E21-910C-8BDBE574C86E}" type="datetimeFigureOut">
               <a:rPr lang="es-MX" smtClean="0"/>
-              <a:t>03/10/2025</a:t>
+              <a:t>04/10/2025</a:t>
             </a:fld>
             <a:endParaRPr lang="es-MX"/>
           </a:p>
@@ -12676,7 +12327,7 @@
           <a:p>
             <a:fld id="{F5310C8A-86F5-4E21-910C-8BDBE574C86E}" type="datetimeFigureOut">
               <a:rPr lang="es-MX" smtClean="0"/>
-              <a:t>03/10/2025</a:t>
+              <a:t>04/10/2025</a:t>
             </a:fld>
             <a:endParaRPr lang="es-MX"/>
           </a:p>
@@ -13043,7 +12694,7 @@
           <a:p>
             <a:fld id="{F5310C8A-86F5-4E21-910C-8BDBE574C86E}" type="datetimeFigureOut">
               <a:rPr lang="es-MX" smtClean="0"/>
-              <a:t>03/10/2025</a:t>
+              <a:t>04/10/2025</a:t>
             </a:fld>
             <a:endParaRPr lang="es-MX"/>
           </a:p>
@@ -13161,7 +12812,7 @@
           <a:p>
             <a:fld id="{F5310C8A-86F5-4E21-910C-8BDBE574C86E}" type="datetimeFigureOut">
               <a:rPr lang="es-MX" smtClean="0"/>
-              <a:t>03/10/2025</a:t>
+              <a:t>04/10/2025</a:t>
             </a:fld>
             <a:endParaRPr lang="es-MX"/>
           </a:p>
@@ -13256,7 +12907,7 @@
           <a:p>
             <a:fld id="{F5310C8A-86F5-4E21-910C-8BDBE574C86E}" type="datetimeFigureOut">
               <a:rPr lang="es-MX" smtClean="0"/>
-              <a:t>03/10/2025</a:t>
+              <a:t>04/10/2025</a:t>
             </a:fld>
             <a:endParaRPr lang="es-MX"/>
           </a:p>
@@ -13533,7 +13184,7 @@
           <a:p>
             <a:fld id="{F5310C8A-86F5-4E21-910C-8BDBE574C86E}" type="datetimeFigureOut">
               <a:rPr lang="es-MX" smtClean="0"/>
-              <a:t>03/10/2025</a:t>
+              <a:t>04/10/2025</a:t>
             </a:fld>
             <a:endParaRPr lang="es-MX"/>
           </a:p>
@@ -13790,7 +13441,7 @@
           <a:p>
             <a:fld id="{F5310C8A-86F5-4E21-910C-8BDBE574C86E}" type="datetimeFigureOut">
               <a:rPr lang="es-MX" smtClean="0"/>
-              <a:t>03/10/2025</a:t>
+              <a:t>04/10/2025</a:t>
             </a:fld>
             <a:endParaRPr lang="es-MX"/>
           </a:p>
@@ -14003,7 +13654,7 @@
           <a:p>
             <a:fld id="{F5310C8A-86F5-4E21-910C-8BDBE574C86E}" type="datetimeFigureOut">
               <a:rPr lang="es-MX" smtClean="0"/>
-              <a:t>03/10/2025</a:t>
+              <a:t>04/10/2025</a:t>
             </a:fld>
             <a:endParaRPr lang="es-MX"/>
           </a:p>
@@ -15924,6 +15575,245 @@
 </p:sld>
 </file>
 
+<file path=ppt/slides/slide7.xml><?xml version="1.0" encoding="utf-8"?>
+<p:sld xmlns:a="http://schemas.openxmlformats.org/drawingml/2006/main" xmlns:r="http://schemas.openxmlformats.org/officeDocument/2006/relationships" xmlns:p="http://schemas.openxmlformats.org/presentationml/2006/main">
+  <p:cSld>
+    <p:spTree>
+      <p:nvGrpSpPr>
+        <p:cNvPr id="1" name=""/>
+        <p:cNvGrpSpPr/>
+        <p:nvPr/>
+      </p:nvGrpSpPr>
+      <p:grpSpPr>
+        <a:xfrm>
+          <a:off x="0" y="0"/>
+          <a:ext cx="0" cy="0"/>
+          <a:chOff x="0" y="0"/>
+          <a:chExt cx="0" cy="0"/>
+        </a:xfrm>
+      </p:grpSpPr>
+      <p:pic>
+        <p:nvPicPr>
+          <p:cNvPr id="1026" name="Picture 2" descr="https://img.freepik.com/premium-photo/tea-leaves-white-background_62856-809.jpg"/>
+          <p:cNvPicPr>
+            <a:picLocks noChangeAspect="1" noChangeArrowheads="1"/>
+          </p:cNvPicPr>
+          <p:nvPr/>
+        </p:nvPicPr>
+        <p:blipFill>
+          <a:blip r:embed="rId2">
+            <a:extLst>
+              <a:ext uri="{28A0092B-C50C-407E-A947-70E740481C1C}">
+                <a14:useLocalDpi xmlns:a14="http://schemas.microsoft.com/office/drawing/2010/main" val="0"/>
+              </a:ext>
+            </a:extLst>
+          </a:blip>
+          <a:srcRect/>
+          <a:stretch>
+            <a:fillRect/>
+          </a:stretch>
+        </p:blipFill>
+        <p:spPr bwMode="auto">
+          <a:xfrm flipH="1">
+            <a:off x="11473480" y="7294979"/>
+            <a:ext cx="5962650" cy="4257675"/>
+          </a:xfrm>
+          <a:prstGeom prst="rect">
+            <a:avLst/>
+          </a:prstGeom>
+          <a:noFill/>
+          <a:extLst>
+            <a:ext uri="{909E8E84-426E-40DD-AFC4-6F175D3DCCD1}">
+              <a14:hiddenFill xmlns:a14="http://schemas.microsoft.com/office/drawing/2010/main">
+                <a:solidFill>
+                  <a:srgbClr val="FFFFFF"/>
+                </a:solidFill>
+              </a14:hiddenFill>
+            </a:ext>
+          </a:extLst>
+        </p:spPr>
+      </p:pic>
+      <p:pic>
+        <p:nvPicPr>
+          <p:cNvPr id="1032" name="Picture 8" descr="Cloud computing icon design. isolated on blue background. | Premium Vector"/>
+          <p:cNvPicPr>
+            <a:picLocks noChangeAspect="1" noChangeArrowheads="1"/>
+          </p:cNvPicPr>
+          <p:nvPr/>
+        </p:nvPicPr>
+        <p:blipFill>
+          <a:blip r:embed="rId3">
+            <a:extLst>
+              <a:ext uri="{28A0092B-C50C-407E-A947-70E740481C1C}">
+                <a14:useLocalDpi xmlns:a14="http://schemas.microsoft.com/office/drawing/2010/main" val="0"/>
+              </a:ext>
+            </a:extLst>
+          </a:blip>
+          <a:srcRect/>
+          <a:stretch>
+            <a:fillRect/>
+          </a:stretch>
+        </p:blipFill>
+        <p:spPr bwMode="auto">
+          <a:xfrm>
+            <a:off x="25542052" y="2631540"/>
+            <a:ext cx="3577590" cy="3577590"/>
+          </a:xfrm>
+          <a:prstGeom prst="rect">
+            <a:avLst/>
+          </a:prstGeom>
+          <a:noFill/>
+          <a:extLst>
+            <a:ext uri="{909E8E84-426E-40DD-AFC4-6F175D3DCCD1}">
+              <a14:hiddenFill xmlns:a14="http://schemas.microsoft.com/office/drawing/2010/main">
+                <a:solidFill>
+                  <a:srgbClr val="FFFFFF"/>
+                </a:solidFill>
+              </a14:hiddenFill>
+            </a:ext>
+          </a:extLst>
+        </p:spPr>
+      </p:pic>
+      <p:pic>
+        <p:nvPicPr>
+          <p:cNvPr id="5" name="Picture 2" descr="https://img.freepik.com/premium-photo/tea-leaves-white-background_62856-809.jpg"/>
+          <p:cNvPicPr>
+            <a:picLocks noChangeAspect="1" noChangeArrowheads="1"/>
+          </p:cNvPicPr>
+          <p:nvPr/>
+        </p:nvPicPr>
+        <p:blipFill>
+          <a:blip r:embed="rId4">
+            <a:extLst>
+              <a:ext uri="{BEBA8EAE-BF5A-486C-A8C5-ECC9F3942E4B}">
+                <a14:imgProps xmlns:a14="http://schemas.microsoft.com/office/drawing/2010/main">
+                  <a14:imgLayer r:embed="rId5">
+                    <a14:imgEffect>
+                      <a14:backgroundRemoval t="9620" b="100000" l="5272" r="95527"/>
+                    </a14:imgEffect>
+                  </a14:imgLayer>
+                </a14:imgProps>
+              </a:ext>
+              <a:ext uri="{28A0092B-C50C-407E-A947-70E740481C1C}">
+                <a14:useLocalDpi xmlns:a14="http://schemas.microsoft.com/office/drawing/2010/main" val="0"/>
+              </a:ext>
+            </a:extLst>
+          </a:blip>
+          <a:srcRect/>
+          <a:stretch>
+            <a:fillRect/>
+          </a:stretch>
+        </p:blipFill>
+        <p:spPr bwMode="auto">
+          <a:xfrm flipH="1">
+            <a:off x="19183162" y="7294979"/>
+            <a:ext cx="5962650" cy="4257675"/>
+          </a:xfrm>
+          <a:prstGeom prst="rect">
+            <a:avLst/>
+          </a:prstGeom>
+          <a:noFill/>
+          <a:extLst>
+            <a:ext uri="{909E8E84-426E-40DD-AFC4-6F175D3DCCD1}">
+              <a14:hiddenFill xmlns:a14="http://schemas.microsoft.com/office/drawing/2010/main">
+                <a:solidFill>
+                  <a:srgbClr val="FFFFFF"/>
+                </a:solidFill>
+              </a14:hiddenFill>
+            </a:ext>
+          </a:extLst>
+        </p:spPr>
+      </p:pic>
+      <p:pic>
+        <p:nvPicPr>
+          <p:cNvPr id="1038" name="Picture 14" descr="Binary data - Free computer icons"/>
+          <p:cNvPicPr>
+            <a:picLocks noChangeAspect="1" noChangeArrowheads="1"/>
+          </p:cNvPicPr>
+          <p:nvPr/>
+        </p:nvPicPr>
+        <p:blipFill rotWithShape="1">
+          <a:blip r:embed="rId6">
+            <a:extLst>
+              <a:ext uri="{28A0092B-C50C-407E-A947-70E740481C1C}">
+                <a14:useLocalDpi xmlns:a14="http://schemas.microsoft.com/office/drawing/2010/main" val="0"/>
+              </a:ext>
+            </a:extLst>
+          </a:blip>
+          <a:srcRect l="11318" r="11226"/>
+          <a:stretch/>
+        </p:blipFill>
+        <p:spPr bwMode="auto">
+          <a:xfrm>
+            <a:off x="20147382" y="7731511"/>
+            <a:ext cx="2763718" cy="2805489"/>
+          </a:xfrm>
+          <a:prstGeom prst="rect">
+            <a:avLst/>
+          </a:prstGeom>
+          <a:noFill/>
+          <a:extLst>
+            <a:ext uri="{909E8E84-426E-40DD-AFC4-6F175D3DCCD1}">
+              <a14:hiddenFill xmlns:a14="http://schemas.microsoft.com/office/drawing/2010/main">
+                <a:solidFill>
+                  <a:srgbClr val="FFFFFF"/>
+                </a:solidFill>
+              </a14:hiddenFill>
+            </a:ext>
+          </a:extLst>
+        </p:spPr>
+      </p:pic>
+      <p:pic>
+        <p:nvPicPr>
+          <p:cNvPr id="15" name="Imagen 14"/>
+          <p:cNvPicPr>
+            <a:picLocks noChangeAspect="1"/>
+          </p:cNvPicPr>
+          <p:nvPr/>
+        </p:nvPicPr>
+        <p:blipFill rotWithShape="1">
+          <a:blip r:embed="rId7" cstate="print">
+            <a:extLst>
+              <a:ext uri="{BEBA8EAE-BF5A-486C-A8C5-ECC9F3942E4B}">
+                <a14:imgProps xmlns:a14="http://schemas.microsoft.com/office/drawing/2010/main">
+                  <a14:imgLayer r:embed="rId8">
+                    <a14:imgEffect>
+                      <a14:backgroundRemoval t="10000" b="90000" l="10000" r="90000"/>
+                    </a14:imgEffect>
+                  </a14:imgLayer>
+                </a14:imgProps>
+              </a:ext>
+              <a:ext uri="{28A0092B-C50C-407E-A947-70E740481C1C}">
+                <a14:useLocalDpi xmlns:a14="http://schemas.microsoft.com/office/drawing/2010/main" val="0"/>
+              </a:ext>
+            </a:extLst>
+          </a:blip>
+          <a:srcRect l="15234" t="15615" r="16359" b="18209"/>
+          <a:stretch/>
+        </p:blipFill>
+        <p:spPr>
+          <a:xfrm>
+            <a:off x="20009677" y="19617142"/>
+            <a:ext cx="4309619" cy="4169087"/>
+          </a:xfrm>
+          <a:prstGeom prst="rect">
+            <a:avLst/>
+          </a:prstGeom>
+        </p:spPr>
+      </p:pic>
+    </p:spTree>
+    <p:extLst>
+      <p:ext uri="{BB962C8B-B14F-4D97-AF65-F5344CB8AC3E}">
+        <p14:creationId xmlns:p14="http://schemas.microsoft.com/office/powerpoint/2010/main" val="2103891910"/>
+      </p:ext>
+    </p:extLst>
+  </p:cSld>
+  <p:clrMapOvr>
+    <a:masterClrMapping/>
+  </p:clrMapOvr>
+</p:sld>
+</file>
+
 <file path=ppt/theme/theme1.xml><?xml version="1.0" encoding="utf-8"?>
 <a:theme xmlns:a="http://schemas.openxmlformats.org/drawingml/2006/main" name="Tema de Office">
   <a:themeElements>

--- a/_Presentación__Propuesta_de_proyecto/Editables.pptx
+++ b/_Presentación__Propuesta_de_proyecto/Editables.pptx
@@ -12,6 +12,7 @@
     <p:sldId id="258" r:id="rId6"/>
     <p:sldId id="261" r:id="rId7"/>
     <p:sldId id="262" r:id="rId8"/>
+    <p:sldId id="263" r:id="rId9"/>
   </p:sldIdLst>
   <p:sldSz cx="35999738" cy="35999738"/>
   <p:notesSz cx="6858000" cy="9144000"/>
@@ -4544,470 +4545,6 @@
       <dsp:cNvGrpSpPr/>
     </dsp:nvGrpSpPr>
     <dsp:grpSpPr/>
-    <dsp:sp modelId="{0B47E64B-98AE-49E6-8BCB-F8C9A92A5400}">
-      <dsp:nvSpPr>
-        <dsp:cNvPr id="0" name=""/>
-        <dsp:cNvSpPr/>
-      </dsp:nvSpPr>
-      <dsp:spPr>
-        <a:xfrm>
-          <a:off x="0" y="1855056"/>
-          <a:ext cx="28747543" cy="2473409"/>
-        </a:xfrm>
-        <a:prstGeom prst="notchedRightArrow">
-          <a:avLst/>
-        </a:prstGeom>
-        <a:solidFill>
-          <a:schemeClr val="dk2">
-            <a:tint val="40000"/>
-            <a:hueOff val="0"/>
-            <a:satOff val="0"/>
-            <a:lumOff val="0"/>
-            <a:alphaOff val="0"/>
-          </a:schemeClr>
-        </a:solidFill>
-        <a:ln>
-          <a:noFill/>
-        </a:ln>
-        <a:effectLst/>
-      </dsp:spPr>
-      <dsp:style>
-        <a:lnRef idx="0">
-          <a:scrgbClr r="0" g="0" b="0"/>
-        </a:lnRef>
-        <a:fillRef idx="1">
-          <a:scrgbClr r="0" g="0" b="0"/>
-        </a:fillRef>
-        <a:effectRef idx="0">
-          <a:scrgbClr r="0" g="0" b="0"/>
-        </a:effectRef>
-        <a:fontRef idx="minor"/>
-      </dsp:style>
-    </dsp:sp>
-    <dsp:sp modelId="{4E70EAB7-C318-4C5A-A94C-E30007902EEA}">
-      <dsp:nvSpPr>
-        <dsp:cNvPr id="0" name=""/>
-        <dsp:cNvSpPr/>
-      </dsp:nvSpPr>
-      <dsp:spPr>
-        <a:xfrm>
-          <a:off x="12949" y="0"/>
-          <a:ext cx="6228166" cy="2473409"/>
-        </a:xfrm>
-        <a:prstGeom prst="rect">
-          <a:avLst/>
-        </a:prstGeom>
-        <a:noFill/>
-        <a:ln>
-          <a:noFill/>
-        </a:ln>
-        <a:effectLst/>
-      </dsp:spPr>
-      <dsp:style>
-        <a:lnRef idx="0">
-          <a:scrgbClr r="0" g="0" b="0"/>
-        </a:lnRef>
-        <a:fillRef idx="0">
-          <a:scrgbClr r="0" g="0" b="0"/>
-        </a:fillRef>
-        <a:effectRef idx="0">
-          <a:scrgbClr r="0" g="0" b="0"/>
-        </a:effectRef>
-        <a:fontRef idx="minor"/>
-      </dsp:style>
-      <dsp:txBody>
-        <a:bodyPr spcFirstLastPara="0" vert="horz" wrap="square" lIns="568960" tIns="568960" rIns="568960" bIns="568960" numCol="1" spcCol="1270" anchor="b" anchorCtr="0">
-          <a:noAutofit/>
-        </a:bodyPr>
-        <a:lstStyle/>
-        <a:p>
-          <a:pPr lvl="0" algn="ctr" defTabSz="3556000">
-            <a:lnSpc>
-              <a:spcPct val="90000"/>
-            </a:lnSpc>
-            <a:spcBef>
-              <a:spcPct val="0"/>
-            </a:spcBef>
-            <a:spcAft>
-              <a:spcPct val="35000"/>
-            </a:spcAft>
-          </a:pPr>
-          <a:r>
-            <a:rPr lang="es-MX" sz="8000" kern="1200" dirty="0" smtClean="0"/>
-            <a:t>Invierno</a:t>
-          </a:r>
-          <a:endParaRPr lang="es-MX" sz="8000" kern="1200" dirty="0"/>
-        </a:p>
-      </dsp:txBody>
-      <dsp:txXfrm>
-        <a:off x="12949" y="0"/>
-        <a:ext cx="6228166" cy="2473409"/>
-      </dsp:txXfrm>
-    </dsp:sp>
-    <dsp:sp modelId="{1D2FA5E6-B6C8-4E4F-BDC7-674F5BF168E9}">
-      <dsp:nvSpPr>
-        <dsp:cNvPr id="0" name=""/>
-        <dsp:cNvSpPr/>
-      </dsp:nvSpPr>
-      <dsp:spPr>
-        <a:xfrm>
-          <a:off x="2749033" y="2713762"/>
-          <a:ext cx="755997" cy="755997"/>
-        </a:xfrm>
-        <a:prstGeom prst="ellipse">
-          <a:avLst/>
-        </a:prstGeom>
-        <a:solidFill>
-          <a:schemeClr val="accent1">
-            <a:lumMod val="75000"/>
-          </a:schemeClr>
-        </a:solidFill>
-        <a:ln w="12700" cap="flat" cmpd="sng" algn="ctr">
-          <a:solidFill>
-            <a:schemeClr val="lt2">
-              <a:hueOff val="0"/>
-              <a:satOff val="0"/>
-              <a:lumOff val="0"/>
-              <a:alphaOff val="0"/>
-            </a:schemeClr>
-          </a:solidFill>
-          <a:prstDash val="solid"/>
-          <a:miter lim="800000"/>
-        </a:ln>
-        <a:effectLst/>
-      </dsp:spPr>
-      <dsp:style>
-        <a:lnRef idx="2">
-          <a:scrgbClr r="0" g="0" b="0"/>
-        </a:lnRef>
-        <a:fillRef idx="1">
-          <a:scrgbClr r="0" g="0" b="0"/>
-        </a:fillRef>
-        <a:effectRef idx="0">
-          <a:scrgbClr r="0" g="0" b="0"/>
-        </a:effectRef>
-        <a:fontRef idx="minor">
-          <a:schemeClr val="lt1"/>
-        </a:fontRef>
-      </dsp:style>
-    </dsp:sp>
-    <dsp:sp modelId="{1D686DF3-DB1D-4C15-96BA-1275C940C637}">
-      <dsp:nvSpPr>
-        <dsp:cNvPr id="0" name=""/>
-        <dsp:cNvSpPr/>
-      </dsp:nvSpPr>
-      <dsp:spPr>
-        <a:xfrm>
-          <a:off x="6552523" y="3710113"/>
-          <a:ext cx="6228166" cy="2473409"/>
-        </a:xfrm>
-        <a:prstGeom prst="rect">
-          <a:avLst/>
-        </a:prstGeom>
-        <a:noFill/>
-        <a:ln>
-          <a:noFill/>
-        </a:ln>
-        <a:effectLst/>
-      </dsp:spPr>
-      <dsp:style>
-        <a:lnRef idx="0">
-          <a:scrgbClr r="0" g="0" b="0"/>
-        </a:lnRef>
-        <a:fillRef idx="0">
-          <a:scrgbClr r="0" g="0" b="0"/>
-        </a:fillRef>
-        <a:effectRef idx="0">
-          <a:scrgbClr r="0" g="0" b="0"/>
-        </a:effectRef>
-        <a:fontRef idx="minor"/>
-      </dsp:style>
-      <dsp:txBody>
-        <a:bodyPr spcFirstLastPara="0" vert="horz" wrap="square" lIns="568960" tIns="568960" rIns="568960" bIns="568960" numCol="1" spcCol="1270" anchor="t" anchorCtr="0">
-          <a:noAutofit/>
-        </a:bodyPr>
-        <a:lstStyle/>
-        <a:p>
-          <a:pPr lvl="0" algn="ctr" defTabSz="3556000">
-            <a:lnSpc>
-              <a:spcPct val="90000"/>
-            </a:lnSpc>
-            <a:spcBef>
-              <a:spcPct val="0"/>
-            </a:spcBef>
-            <a:spcAft>
-              <a:spcPct val="35000"/>
-            </a:spcAft>
-          </a:pPr>
-          <a:r>
-            <a:rPr lang="es-MX" sz="8000" kern="1200" dirty="0" smtClean="0"/>
-            <a:t>Primavera</a:t>
-          </a:r>
-          <a:endParaRPr lang="es-MX" sz="8000" kern="1200" dirty="0"/>
-        </a:p>
-      </dsp:txBody>
-      <dsp:txXfrm>
-        <a:off x="6552523" y="3710113"/>
-        <a:ext cx="6228166" cy="2473409"/>
-      </dsp:txXfrm>
-    </dsp:sp>
-    <dsp:sp modelId="{2EE949D4-06BC-47E9-89E3-21A85CDF225B}">
-      <dsp:nvSpPr>
-        <dsp:cNvPr id="0" name=""/>
-        <dsp:cNvSpPr/>
-      </dsp:nvSpPr>
-      <dsp:spPr>
-        <a:xfrm>
-          <a:off x="9288608" y="2713762"/>
-          <a:ext cx="755997" cy="755997"/>
-        </a:xfrm>
-        <a:prstGeom prst="ellipse">
-          <a:avLst/>
-        </a:prstGeom>
-        <a:solidFill>
-          <a:srgbClr val="00B050"/>
-        </a:solidFill>
-        <a:ln w="12700" cap="flat" cmpd="sng" algn="ctr">
-          <a:solidFill>
-            <a:schemeClr val="lt2">
-              <a:hueOff val="0"/>
-              <a:satOff val="0"/>
-              <a:lumOff val="0"/>
-              <a:alphaOff val="0"/>
-            </a:schemeClr>
-          </a:solidFill>
-          <a:prstDash val="solid"/>
-          <a:miter lim="800000"/>
-        </a:ln>
-        <a:effectLst/>
-      </dsp:spPr>
-      <dsp:style>
-        <a:lnRef idx="2">
-          <a:scrgbClr r="0" g="0" b="0"/>
-        </a:lnRef>
-        <a:fillRef idx="1">
-          <a:scrgbClr r="0" g="0" b="0"/>
-        </a:fillRef>
-        <a:effectRef idx="0">
-          <a:scrgbClr r="0" g="0" b="0"/>
-        </a:effectRef>
-        <a:fontRef idx="minor">
-          <a:schemeClr val="lt1"/>
-        </a:fontRef>
-      </dsp:style>
-    </dsp:sp>
-    <dsp:sp modelId="{E7030B06-E963-4B04-B84D-10295E472AC5}">
-      <dsp:nvSpPr>
-        <dsp:cNvPr id="0" name=""/>
-        <dsp:cNvSpPr/>
-      </dsp:nvSpPr>
-      <dsp:spPr>
-        <a:xfrm>
-          <a:off x="13092098" y="0"/>
-          <a:ext cx="6228166" cy="2473409"/>
-        </a:xfrm>
-        <a:prstGeom prst="rect">
-          <a:avLst/>
-        </a:prstGeom>
-        <a:noFill/>
-        <a:ln>
-          <a:noFill/>
-        </a:ln>
-        <a:effectLst/>
-      </dsp:spPr>
-      <dsp:style>
-        <a:lnRef idx="0">
-          <a:scrgbClr r="0" g="0" b="0"/>
-        </a:lnRef>
-        <a:fillRef idx="0">
-          <a:scrgbClr r="0" g="0" b="0"/>
-        </a:fillRef>
-        <a:effectRef idx="0">
-          <a:scrgbClr r="0" g="0" b="0"/>
-        </a:effectRef>
-        <a:fontRef idx="minor"/>
-      </dsp:style>
-      <dsp:txBody>
-        <a:bodyPr spcFirstLastPara="0" vert="horz" wrap="square" lIns="568960" tIns="568960" rIns="568960" bIns="568960" numCol="1" spcCol="1270" anchor="b" anchorCtr="0">
-          <a:noAutofit/>
-        </a:bodyPr>
-        <a:lstStyle/>
-        <a:p>
-          <a:pPr lvl="0" algn="ctr" defTabSz="3556000">
-            <a:lnSpc>
-              <a:spcPct val="90000"/>
-            </a:lnSpc>
-            <a:spcBef>
-              <a:spcPct val="0"/>
-            </a:spcBef>
-            <a:spcAft>
-              <a:spcPct val="35000"/>
-            </a:spcAft>
-          </a:pPr>
-          <a:r>
-            <a:rPr lang="es-MX" sz="8000" kern="1200" dirty="0" smtClean="0"/>
-            <a:t>Verano</a:t>
-          </a:r>
-          <a:endParaRPr lang="es-MX" sz="8000" kern="1200" dirty="0"/>
-        </a:p>
-      </dsp:txBody>
-      <dsp:txXfrm>
-        <a:off x="13092098" y="0"/>
-        <a:ext cx="6228166" cy="2473409"/>
-      </dsp:txXfrm>
-    </dsp:sp>
-    <dsp:sp modelId="{D5794BDF-0354-4D85-87D9-AB090C948BEB}">
-      <dsp:nvSpPr>
-        <dsp:cNvPr id="0" name=""/>
-        <dsp:cNvSpPr/>
-      </dsp:nvSpPr>
-      <dsp:spPr>
-        <a:xfrm>
-          <a:off x="15828182" y="2713762"/>
-          <a:ext cx="755997" cy="755997"/>
-        </a:xfrm>
-        <a:prstGeom prst="ellipse">
-          <a:avLst/>
-        </a:prstGeom>
-        <a:solidFill>
-          <a:schemeClr val="accent4"/>
-        </a:solidFill>
-        <a:ln w="12700" cap="flat" cmpd="sng" algn="ctr">
-          <a:solidFill>
-            <a:schemeClr val="lt2">
-              <a:hueOff val="0"/>
-              <a:satOff val="0"/>
-              <a:lumOff val="0"/>
-              <a:alphaOff val="0"/>
-            </a:schemeClr>
-          </a:solidFill>
-          <a:prstDash val="solid"/>
-          <a:miter lim="800000"/>
-        </a:ln>
-        <a:effectLst/>
-      </dsp:spPr>
-      <dsp:style>
-        <a:lnRef idx="2">
-          <a:scrgbClr r="0" g="0" b="0"/>
-        </a:lnRef>
-        <a:fillRef idx="1">
-          <a:scrgbClr r="0" g="0" b="0"/>
-        </a:fillRef>
-        <a:effectRef idx="0">
-          <a:scrgbClr r="0" g="0" b="0"/>
-        </a:effectRef>
-        <a:fontRef idx="minor">
-          <a:schemeClr val="lt1"/>
-        </a:fontRef>
-      </dsp:style>
-    </dsp:sp>
-    <dsp:sp modelId="{74D9C024-FC10-4B8F-BA83-348F88D96874}">
-      <dsp:nvSpPr>
-        <dsp:cNvPr id="0" name=""/>
-        <dsp:cNvSpPr/>
-      </dsp:nvSpPr>
-      <dsp:spPr>
-        <a:xfrm>
-          <a:off x="19631673" y="3710113"/>
-          <a:ext cx="6228166" cy="2473409"/>
-        </a:xfrm>
-        <a:prstGeom prst="rect">
-          <a:avLst/>
-        </a:prstGeom>
-        <a:noFill/>
-        <a:ln>
-          <a:noFill/>
-        </a:ln>
-        <a:effectLst/>
-      </dsp:spPr>
-      <dsp:style>
-        <a:lnRef idx="0">
-          <a:scrgbClr r="0" g="0" b="0"/>
-        </a:lnRef>
-        <a:fillRef idx="0">
-          <a:scrgbClr r="0" g="0" b="0"/>
-        </a:fillRef>
-        <a:effectRef idx="0">
-          <a:scrgbClr r="0" g="0" b="0"/>
-        </a:effectRef>
-        <a:fontRef idx="minor"/>
-      </dsp:style>
-      <dsp:txBody>
-        <a:bodyPr spcFirstLastPara="0" vert="horz" wrap="square" lIns="568960" tIns="568960" rIns="568960" bIns="568960" numCol="1" spcCol="1270" anchor="t" anchorCtr="0">
-          <a:noAutofit/>
-        </a:bodyPr>
-        <a:lstStyle/>
-        <a:p>
-          <a:pPr lvl="0" algn="ctr" defTabSz="3556000">
-            <a:lnSpc>
-              <a:spcPct val="90000"/>
-            </a:lnSpc>
-            <a:spcBef>
-              <a:spcPct val="0"/>
-            </a:spcBef>
-            <a:spcAft>
-              <a:spcPct val="35000"/>
-            </a:spcAft>
-          </a:pPr>
-          <a:r>
-            <a:rPr lang="es-MX" sz="8000" kern="1200" dirty="0" smtClean="0"/>
-            <a:t>Otoño</a:t>
-          </a:r>
-          <a:endParaRPr lang="es-MX" sz="8000" kern="1200" dirty="0"/>
-        </a:p>
-      </dsp:txBody>
-      <dsp:txXfrm>
-        <a:off x="19631673" y="3710113"/>
-        <a:ext cx="6228166" cy="2473409"/>
-      </dsp:txXfrm>
-    </dsp:sp>
-    <dsp:sp modelId="{E9DF1AEF-D1D9-463B-8116-3F1D981FFD96}">
-      <dsp:nvSpPr>
-        <dsp:cNvPr id="0" name=""/>
-        <dsp:cNvSpPr/>
-      </dsp:nvSpPr>
-      <dsp:spPr>
-        <a:xfrm>
-          <a:off x="22367757" y="2713762"/>
-          <a:ext cx="755997" cy="755997"/>
-        </a:xfrm>
-        <a:prstGeom prst="ellipse">
-          <a:avLst/>
-        </a:prstGeom>
-        <a:solidFill>
-          <a:schemeClr val="accent2">
-            <a:lumMod val="75000"/>
-          </a:schemeClr>
-        </a:solidFill>
-        <a:ln w="12700" cap="flat" cmpd="sng" algn="ctr">
-          <a:solidFill>
-            <a:schemeClr val="lt2">
-              <a:hueOff val="0"/>
-              <a:satOff val="0"/>
-              <a:lumOff val="0"/>
-              <a:alphaOff val="0"/>
-            </a:schemeClr>
-          </a:solidFill>
-          <a:prstDash val="solid"/>
-          <a:miter lim="800000"/>
-        </a:ln>
-        <a:effectLst/>
-      </dsp:spPr>
-      <dsp:style>
-        <a:lnRef idx="2">
-          <a:scrgbClr r="0" g="0" b="0"/>
-        </a:lnRef>
-        <a:fillRef idx="1">
-          <a:scrgbClr r="0" g="0" b="0"/>
-        </a:fillRef>
-        <a:effectRef idx="0">
-          <a:scrgbClr r="0" g="0" b="0"/>
-        </a:effectRef>
-        <a:fontRef idx="minor">
-          <a:schemeClr val="lt1"/>
-        </a:fontRef>
-      </dsp:style>
-    </dsp:sp>
   </dsp:spTree>
 </dsp:drawing>
 </file>
@@ -5020,470 +4557,6 @@
       <dsp:cNvGrpSpPr/>
     </dsp:nvGrpSpPr>
     <dsp:grpSpPr/>
-    <dsp:sp modelId="{0B47E64B-98AE-49E6-8BCB-F8C9A92A5400}">
-      <dsp:nvSpPr>
-        <dsp:cNvPr id="0" name=""/>
-        <dsp:cNvSpPr/>
-      </dsp:nvSpPr>
-      <dsp:spPr>
-        <a:xfrm>
-          <a:off x="0" y="1855056"/>
-          <a:ext cx="28747543" cy="2473409"/>
-        </a:xfrm>
-        <a:prstGeom prst="notchedRightArrow">
-          <a:avLst/>
-        </a:prstGeom>
-        <a:solidFill>
-          <a:schemeClr val="dk2">
-            <a:tint val="40000"/>
-            <a:hueOff val="0"/>
-            <a:satOff val="0"/>
-            <a:lumOff val="0"/>
-            <a:alphaOff val="0"/>
-          </a:schemeClr>
-        </a:solidFill>
-        <a:ln>
-          <a:noFill/>
-        </a:ln>
-        <a:effectLst/>
-      </dsp:spPr>
-      <dsp:style>
-        <a:lnRef idx="0">
-          <a:scrgbClr r="0" g="0" b="0"/>
-        </a:lnRef>
-        <a:fillRef idx="1">
-          <a:scrgbClr r="0" g="0" b="0"/>
-        </a:fillRef>
-        <a:effectRef idx="0">
-          <a:scrgbClr r="0" g="0" b="0"/>
-        </a:effectRef>
-        <a:fontRef idx="minor"/>
-      </dsp:style>
-    </dsp:sp>
-    <dsp:sp modelId="{4E70EAB7-C318-4C5A-A94C-E30007902EEA}">
-      <dsp:nvSpPr>
-        <dsp:cNvPr id="0" name=""/>
-        <dsp:cNvSpPr/>
-      </dsp:nvSpPr>
-      <dsp:spPr>
-        <a:xfrm>
-          <a:off x="12949" y="0"/>
-          <a:ext cx="6228166" cy="2473409"/>
-        </a:xfrm>
-        <a:prstGeom prst="rect">
-          <a:avLst/>
-        </a:prstGeom>
-        <a:noFill/>
-        <a:ln>
-          <a:noFill/>
-        </a:ln>
-        <a:effectLst/>
-      </dsp:spPr>
-      <dsp:style>
-        <a:lnRef idx="0">
-          <a:scrgbClr r="0" g="0" b="0"/>
-        </a:lnRef>
-        <a:fillRef idx="0">
-          <a:scrgbClr r="0" g="0" b="0"/>
-        </a:fillRef>
-        <a:effectRef idx="0">
-          <a:scrgbClr r="0" g="0" b="0"/>
-        </a:effectRef>
-        <a:fontRef idx="minor"/>
-      </dsp:style>
-      <dsp:txBody>
-        <a:bodyPr spcFirstLastPara="0" vert="horz" wrap="square" lIns="568960" tIns="568960" rIns="568960" bIns="568960" numCol="1" spcCol="1270" anchor="b" anchorCtr="0">
-          <a:noAutofit/>
-        </a:bodyPr>
-        <a:lstStyle/>
-        <a:p>
-          <a:pPr lvl="0" algn="ctr" defTabSz="3556000">
-            <a:lnSpc>
-              <a:spcPct val="90000"/>
-            </a:lnSpc>
-            <a:spcBef>
-              <a:spcPct val="0"/>
-            </a:spcBef>
-            <a:spcAft>
-              <a:spcPct val="35000"/>
-            </a:spcAft>
-          </a:pPr>
-          <a:r>
-            <a:rPr lang="es-MX" sz="8000" kern="1200" dirty="0" smtClean="0"/>
-            <a:t>Invierno</a:t>
-          </a:r>
-          <a:endParaRPr lang="es-MX" sz="8000" kern="1200" dirty="0"/>
-        </a:p>
-      </dsp:txBody>
-      <dsp:txXfrm>
-        <a:off x="12949" y="0"/>
-        <a:ext cx="6228166" cy="2473409"/>
-      </dsp:txXfrm>
-    </dsp:sp>
-    <dsp:sp modelId="{1D2FA5E6-B6C8-4E4F-BDC7-674F5BF168E9}">
-      <dsp:nvSpPr>
-        <dsp:cNvPr id="0" name=""/>
-        <dsp:cNvSpPr/>
-      </dsp:nvSpPr>
-      <dsp:spPr>
-        <a:xfrm>
-          <a:off x="2749033" y="2713762"/>
-          <a:ext cx="755997" cy="755997"/>
-        </a:xfrm>
-        <a:prstGeom prst="ellipse">
-          <a:avLst/>
-        </a:prstGeom>
-        <a:solidFill>
-          <a:schemeClr val="accent1">
-            <a:lumMod val="75000"/>
-          </a:schemeClr>
-        </a:solidFill>
-        <a:ln w="12700" cap="flat" cmpd="sng" algn="ctr">
-          <a:solidFill>
-            <a:schemeClr val="lt2">
-              <a:hueOff val="0"/>
-              <a:satOff val="0"/>
-              <a:lumOff val="0"/>
-              <a:alphaOff val="0"/>
-            </a:schemeClr>
-          </a:solidFill>
-          <a:prstDash val="solid"/>
-          <a:miter lim="800000"/>
-        </a:ln>
-        <a:effectLst/>
-      </dsp:spPr>
-      <dsp:style>
-        <a:lnRef idx="2">
-          <a:scrgbClr r="0" g="0" b="0"/>
-        </a:lnRef>
-        <a:fillRef idx="1">
-          <a:scrgbClr r="0" g="0" b="0"/>
-        </a:fillRef>
-        <a:effectRef idx="0">
-          <a:scrgbClr r="0" g="0" b="0"/>
-        </a:effectRef>
-        <a:fontRef idx="minor">
-          <a:schemeClr val="lt1"/>
-        </a:fontRef>
-      </dsp:style>
-    </dsp:sp>
-    <dsp:sp modelId="{1D686DF3-DB1D-4C15-96BA-1275C940C637}">
-      <dsp:nvSpPr>
-        <dsp:cNvPr id="0" name=""/>
-        <dsp:cNvSpPr/>
-      </dsp:nvSpPr>
-      <dsp:spPr>
-        <a:xfrm>
-          <a:off x="6552523" y="3710113"/>
-          <a:ext cx="6228166" cy="2473409"/>
-        </a:xfrm>
-        <a:prstGeom prst="rect">
-          <a:avLst/>
-        </a:prstGeom>
-        <a:noFill/>
-        <a:ln>
-          <a:noFill/>
-        </a:ln>
-        <a:effectLst/>
-      </dsp:spPr>
-      <dsp:style>
-        <a:lnRef idx="0">
-          <a:scrgbClr r="0" g="0" b="0"/>
-        </a:lnRef>
-        <a:fillRef idx="0">
-          <a:scrgbClr r="0" g="0" b="0"/>
-        </a:fillRef>
-        <a:effectRef idx="0">
-          <a:scrgbClr r="0" g="0" b="0"/>
-        </a:effectRef>
-        <a:fontRef idx="minor"/>
-      </dsp:style>
-      <dsp:txBody>
-        <a:bodyPr spcFirstLastPara="0" vert="horz" wrap="square" lIns="568960" tIns="568960" rIns="568960" bIns="568960" numCol="1" spcCol="1270" anchor="t" anchorCtr="0">
-          <a:noAutofit/>
-        </a:bodyPr>
-        <a:lstStyle/>
-        <a:p>
-          <a:pPr lvl="0" algn="ctr" defTabSz="3556000">
-            <a:lnSpc>
-              <a:spcPct val="90000"/>
-            </a:lnSpc>
-            <a:spcBef>
-              <a:spcPct val="0"/>
-            </a:spcBef>
-            <a:spcAft>
-              <a:spcPct val="35000"/>
-            </a:spcAft>
-          </a:pPr>
-          <a:r>
-            <a:rPr lang="es-MX" sz="8000" kern="1200" dirty="0" smtClean="0"/>
-            <a:t>Primavera</a:t>
-          </a:r>
-          <a:endParaRPr lang="es-MX" sz="8000" kern="1200" dirty="0"/>
-        </a:p>
-      </dsp:txBody>
-      <dsp:txXfrm>
-        <a:off x="6552523" y="3710113"/>
-        <a:ext cx="6228166" cy="2473409"/>
-      </dsp:txXfrm>
-    </dsp:sp>
-    <dsp:sp modelId="{2EE949D4-06BC-47E9-89E3-21A85CDF225B}">
-      <dsp:nvSpPr>
-        <dsp:cNvPr id="0" name=""/>
-        <dsp:cNvSpPr/>
-      </dsp:nvSpPr>
-      <dsp:spPr>
-        <a:xfrm>
-          <a:off x="9288608" y="2713762"/>
-          <a:ext cx="755997" cy="755997"/>
-        </a:xfrm>
-        <a:prstGeom prst="ellipse">
-          <a:avLst/>
-        </a:prstGeom>
-        <a:solidFill>
-          <a:srgbClr val="00B050"/>
-        </a:solidFill>
-        <a:ln w="12700" cap="flat" cmpd="sng" algn="ctr">
-          <a:solidFill>
-            <a:schemeClr val="lt2">
-              <a:hueOff val="0"/>
-              <a:satOff val="0"/>
-              <a:lumOff val="0"/>
-              <a:alphaOff val="0"/>
-            </a:schemeClr>
-          </a:solidFill>
-          <a:prstDash val="solid"/>
-          <a:miter lim="800000"/>
-        </a:ln>
-        <a:effectLst/>
-      </dsp:spPr>
-      <dsp:style>
-        <a:lnRef idx="2">
-          <a:scrgbClr r="0" g="0" b="0"/>
-        </a:lnRef>
-        <a:fillRef idx="1">
-          <a:scrgbClr r="0" g="0" b="0"/>
-        </a:fillRef>
-        <a:effectRef idx="0">
-          <a:scrgbClr r="0" g="0" b="0"/>
-        </a:effectRef>
-        <a:fontRef idx="minor">
-          <a:schemeClr val="lt1"/>
-        </a:fontRef>
-      </dsp:style>
-    </dsp:sp>
-    <dsp:sp modelId="{E7030B06-E963-4B04-B84D-10295E472AC5}">
-      <dsp:nvSpPr>
-        <dsp:cNvPr id="0" name=""/>
-        <dsp:cNvSpPr/>
-      </dsp:nvSpPr>
-      <dsp:spPr>
-        <a:xfrm>
-          <a:off x="13092098" y="0"/>
-          <a:ext cx="6228166" cy="2473409"/>
-        </a:xfrm>
-        <a:prstGeom prst="rect">
-          <a:avLst/>
-        </a:prstGeom>
-        <a:noFill/>
-        <a:ln>
-          <a:noFill/>
-        </a:ln>
-        <a:effectLst/>
-      </dsp:spPr>
-      <dsp:style>
-        <a:lnRef idx="0">
-          <a:scrgbClr r="0" g="0" b="0"/>
-        </a:lnRef>
-        <a:fillRef idx="0">
-          <a:scrgbClr r="0" g="0" b="0"/>
-        </a:fillRef>
-        <a:effectRef idx="0">
-          <a:scrgbClr r="0" g="0" b="0"/>
-        </a:effectRef>
-        <a:fontRef idx="minor"/>
-      </dsp:style>
-      <dsp:txBody>
-        <a:bodyPr spcFirstLastPara="0" vert="horz" wrap="square" lIns="568960" tIns="568960" rIns="568960" bIns="568960" numCol="1" spcCol="1270" anchor="b" anchorCtr="0">
-          <a:noAutofit/>
-        </a:bodyPr>
-        <a:lstStyle/>
-        <a:p>
-          <a:pPr lvl="0" algn="ctr" defTabSz="3556000">
-            <a:lnSpc>
-              <a:spcPct val="90000"/>
-            </a:lnSpc>
-            <a:spcBef>
-              <a:spcPct val="0"/>
-            </a:spcBef>
-            <a:spcAft>
-              <a:spcPct val="35000"/>
-            </a:spcAft>
-          </a:pPr>
-          <a:r>
-            <a:rPr lang="es-MX" sz="8000" kern="1200" dirty="0" smtClean="0"/>
-            <a:t>Verano</a:t>
-          </a:r>
-          <a:endParaRPr lang="es-MX" sz="8000" kern="1200" dirty="0"/>
-        </a:p>
-      </dsp:txBody>
-      <dsp:txXfrm>
-        <a:off x="13092098" y="0"/>
-        <a:ext cx="6228166" cy="2473409"/>
-      </dsp:txXfrm>
-    </dsp:sp>
-    <dsp:sp modelId="{D5794BDF-0354-4D85-87D9-AB090C948BEB}">
-      <dsp:nvSpPr>
-        <dsp:cNvPr id="0" name=""/>
-        <dsp:cNvSpPr/>
-      </dsp:nvSpPr>
-      <dsp:spPr>
-        <a:xfrm>
-          <a:off x="15828182" y="2713762"/>
-          <a:ext cx="755997" cy="755997"/>
-        </a:xfrm>
-        <a:prstGeom prst="ellipse">
-          <a:avLst/>
-        </a:prstGeom>
-        <a:solidFill>
-          <a:schemeClr val="accent4"/>
-        </a:solidFill>
-        <a:ln w="12700" cap="flat" cmpd="sng" algn="ctr">
-          <a:solidFill>
-            <a:schemeClr val="lt2">
-              <a:hueOff val="0"/>
-              <a:satOff val="0"/>
-              <a:lumOff val="0"/>
-              <a:alphaOff val="0"/>
-            </a:schemeClr>
-          </a:solidFill>
-          <a:prstDash val="solid"/>
-          <a:miter lim="800000"/>
-        </a:ln>
-        <a:effectLst/>
-      </dsp:spPr>
-      <dsp:style>
-        <a:lnRef idx="2">
-          <a:scrgbClr r="0" g="0" b="0"/>
-        </a:lnRef>
-        <a:fillRef idx="1">
-          <a:scrgbClr r="0" g="0" b="0"/>
-        </a:fillRef>
-        <a:effectRef idx="0">
-          <a:scrgbClr r="0" g="0" b="0"/>
-        </a:effectRef>
-        <a:fontRef idx="minor">
-          <a:schemeClr val="lt1"/>
-        </a:fontRef>
-      </dsp:style>
-    </dsp:sp>
-    <dsp:sp modelId="{74D9C024-FC10-4B8F-BA83-348F88D96874}">
-      <dsp:nvSpPr>
-        <dsp:cNvPr id="0" name=""/>
-        <dsp:cNvSpPr/>
-      </dsp:nvSpPr>
-      <dsp:spPr>
-        <a:xfrm>
-          <a:off x="19631673" y="3710113"/>
-          <a:ext cx="6228166" cy="2473409"/>
-        </a:xfrm>
-        <a:prstGeom prst="rect">
-          <a:avLst/>
-        </a:prstGeom>
-        <a:noFill/>
-        <a:ln>
-          <a:noFill/>
-        </a:ln>
-        <a:effectLst/>
-      </dsp:spPr>
-      <dsp:style>
-        <a:lnRef idx="0">
-          <a:scrgbClr r="0" g="0" b="0"/>
-        </a:lnRef>
-        <a:fillRef idx="0">
-          <a:scrgbClr r="0" g="0" b="0"/>
-        </a:fillRef>
-        <a:effectRef idx="0">
-          <a:scrgbClr r="0" g="0" b="0"/>
-        </a:effectRef>
-        <a:fontRef idx="minor"/>
-      </dsp:style>
-      <dsp:txBody>
-        <a:bodyPr spcFirstLastPara="0" vert="horz" wrap="square" lIns="568960" tIns="568960" rIns="568960" bIns="568960" numCol="1" spcCol="1270" anchor="t" anchorCtr="0">
-          <a:noAutofit/>
-        </a:bodyPr>
-        <a:lstStyle/>
-        <a:p>
-          <a:pPr lvl="0" algn="ctr" defTabSz="3556000">
-            <a:lnSpc>
-              <a:spcPct val="90000"/>
-            </a:lnSpc>
-            <a:spcBef>
-              <a:spcPct val="0"/>
-            </a:spcBef>
-            <a:spcAft>
-              <a:spcPct val="35000"/>
-            </a:spcAft>
-          </a:pPr>
-          <a:r>
-            <a:rPr lang="es-MX" sz="8000" kern="1200" dirty="0" smtClean="0"/>
-            <a:t>Otoño</a:t>
-          </a:r>
-          <a:endParaRPr lang="es-MX" sz="8000" kern="1200" dirty="0"/>
-        </a:p>
-      </dsp:txBody>
-      <dsp:txXfrm>
-        <a:off x="19631673" y="3710113"/>
-        <a:ext cx="6228166" cy="2473409"/>
-      </dsp:txXfrm>
-    </dsp:sp>
-    <dsp:sp modelId="{E9DF1AEF-D1D9-463B-8116-3F1D981FFD96}">
-      <dsp:nvSpPr>
-        <dsp:cNvPr id="0" name=""/>
-        <dsp:cNvSpPr/>
-      </dsp:nvSpPr>
-      <dsp:spPr>
-        <a:xfrm>
-          <a:off x="22367757" y="2713762"/>
-          <a:ext cx="755997" cy="755997"/>
-        </a:xfrm>
-        <a:prstGeom prst="ellipse">
-          <a:avLst/>
-        </a:prstGeom>
-        <a:solidFill>
-          <a:schemeClr val="accent2">
-            <a:lumMod val="75000"/>
-          </a:schemeClr>
-        </a:solidFill>
-        <a:ln w="12700" cap="flat" cmpd="sng" algn="ctr">
-          <a:solidFill>
-            <a:schemeClr val="lt2">
-              <a:hueOff val="0"/>
-              <a:satOff val="0"/>
-              <a:lumOff val="0"/>
-              <a:alphaOff val="0"/>
-            </a:schemeClr>
-          </a:solidFill>
-          <a:prstDash val="solid"/>
-          <a:miter lim="800000"/>
-        </a:ln>
-        <a:effectLst/>
-      </dsp:spPr>
-      <dsp:style>
-        <a:lnRef idx="2">
-          <a:scrgbClr r="0" g="0" b="0"/>
-        </a:lnRef>
-        <a:fillRef idx="1">
-          <a:scrgbClr r="0" g="0" b="0"/>
-        </a:fillRef>
-        <a:effectRef idx="0">
-          <a:scrgbClr r="0" g="0" b="0"/>
-        </a:effectRef>
-        <a:fontRef idx="minor">
-          <a:schemeClr val="lt1"/>
-        </a:fontRef>
-      </dsp:style>
-    </dsp:sp>
   </dsp:spTree>
 </dsp:drawing>
 </file>
@@ -5496,470 +4569,6 @@
       <dsp:cNvGrpSpPr/>
     </dsp:nvGrpSpPr>
     <dsp:grpSpPr/>
-    <dsp:sp modelId="{0B47E64B-98AE-49E6-8BCB-F8C9A92A5400}">
-      <dsp:nvSpPr>
-        <dsp:cNvPr id="0" name=""/>
-        <dsp:cNvSpPr/>
-      </dsp:nvSpPr>
-      <dsp:spPr>
-        <a:xfrm>
-          <a:off x="0" y="1855056"/>
-          <a:ext cx="28747543" cy="2473409"/>
-        </a:xfrm>
-        <a:prstGeom prst="notchedRightArrow">
-          <a:avLst/>
-        </a:prstGeom>
-        <a:solidFill>
-          <a:schemeClr val="dk2">
-            <a:tint val="40000"/>
-            <a:hueOff val="0"/>
-            <a:satOff val="0"/>
-            <a:lumOff val="0"/>
-            <a:alphaOff val="0"/>
-          </a:schemeClr>
-        </a:solidFill>
-        <a:ln>
-          <a:noFill/>
-        </a:ln>
-        <a:effectLst/>
-      </dsp:spPr>
-      <dsp:style>
-        <a:lnRef idx="0">
-          <a:scrgbClr r="0" g="0" b="0"/>
-        </a:lnRef>
-        <a:fillRef idx="1">
-          <a:scrgbClr r="0" g="0" b="0"/>
-        </a:fillRef>
-        <a:effectRef idx="0">
-          <a:scrgbClr r="0" g="0" b="0"/>
-        </a:effectRef>
-        <a:fontRef idx="minor"/>
-      </dsp:style>
-    </dsp:sp>
-    <dsp:sp modelId="{4E70EAB7-C318-4C5A-A94C-E30007902EEA}">
-      <dsp:nvSpPr>
-        <dsp:cNvPr id="0" name=""/>
-        <dsp:cNvSpPr/>
-      </dsp:nvSpPr>
-      <dsp:spPr>
-        <a:xfrm>
-          <a:off x="12949" y="0"/>
-          <a:ext cx="6228166" cy="2473409"/>
-        </a:xfrm>
-        <a:prstGeom prst="rect">
-          <a:avLst/>
-        </a:prstGeom>
-        <a:noFill/>
-        <a:ln>
-          <a:noFill/>
-        </a:ln>
-        <a:effectLst/>
-      </dsp:spPr>
-      <dsp:style>
-        <a:lnRef idx="0">
-          <a:scrgbClr r="0" g="0" b="0"/>
-        </a:lnRef>
-        <a:fillRef idx="0">
-          <a:scrgbClr r="0" g="0" b="0"/>
-        </a:fillRef>
-        <a:effectRef idx="0">
-          <a:scrgbClr r="0" g="0" b="0"/>
-        </a:effectRef>
-        <a:fontRef idx="minor"/>
-      </dsp:style>
-      <dsp:txBody>
-        <a:bodyPr spcFirstLastPara="0" vert="horz" wrap="square" lIns="568960" tIns="568960" rIns="568960" bIns="568960" numCol="1" spcCol="1270" anchor="b" anchorCtr="0">
-          <a:noAutofit/>
-        </a:bodyPr>
-        <a:lstStyle/>
-        <a:p>
-          <a:pPr lvl="0" algn="ctr" defTabSz="3556000">
-            <a:lnSpc>
-              <a:spcPct val="90000"/>
-            </a:lnSpc>
-            <a:spcBef>
-              <a:spcPct val="0"/>
-            </a:spcBef>
-            <a:spcAft>
-              <a:spcPct val="35000"/>
-            </a:spcAft>
-          </a:pPr>
-          <a:r>
-            <a:rPr lang="es-MX" sz="8000" kern="1200" dirty="0" smtClean="0"/>
-            <a:t>Invierno</a:t>
-          </a:r>
-          <a:endParaRPr lang="es-MX" sz="8000" kern="1200" dirty="0"/>
-        </a:p>
-      </dsp:txBody>
-      <dsp:txXfrm>
-        <a:off x="12949" y="0"/>
-        <a:ext cx="6228166" cy="2473409"/>
-      </dsp:txXfrm>
-    </dsp:sp>
-    <dsp:sp modelId="{1D2FA5E6-B6C8-4E4F-BDC7-674F5BF168E9}">
-      <dsp:nvSpPr>
-        <dsp:cNvPr id="0" name=""/>
-        <dsp:cNvSpPr/>
-      </dsp:nvSpPr>
-      <dsp:spPr>
-        <a:xfrm>
-          <a:off x="2749033" y="2713762"/>
-          <a:ext cx="755997" cy="755997"/>
-        </a:xfrm>
-        <a:prstGeom prst="ellipse">
-          <a:avLst/>
-        </a:prstGeom>
-        <a:solidFill>
-          <a:schemeClr val="accent1">
-            <a:lumMod val="75000"/>
-          </a:schemeClr>
-        </a:solidFill>
-        <a:ln w="12700" cap="flat" cmpd="sng" algn="ctr">
-          <a:solidFill>
-            <a:schemeClr val="lt2">
-              <a:hueOff val="0"/>
-              <a:satOff val="0"/>
-              <a:lumOff val="0"/>
-              <a:alphaOff val="0"/>
-            </a:schemeClr>
-          </a:solidFill>
-          <a:prstDash val="solid"/>
-          <a:miter lim="800000"/>
-        </a:ln>
-        <a:effectLst/>
-      </dsp:spPr>
-      <dsp:style>
-        <a:lnRef idx="2">
-          <a:scrgbClr r="0" g="0" b="0"/>
-        </a:lnRef>
-        <a:fillRef idx="1">
-          <a:scrgbClr r="0" g="0" b="0"/>
-        </a:fillRef>
-        <a:effectRef idx="0">
-          <a:scrgbClr r="0" g="0" b="0"/>
-        </a:effectRef>
-        <a:fontRef idx="minor">
-          <a:schemeClr val="lt1"/>
-        </a:fontRef>
-      </dsp:style>
-    </dsp:sp>
-    <dsp:sp modelId="{1D686DF3-DB1D-4C15-96BA-1275C940C637}">
-      <dsp:nvSpPr>
-        <dsp:cNvPr id="0" name=""/>
-        <dsp:cNvSpPr/>
-      </dsp:nvSpPr>
-      <dsp:spPr>
-        <a:xfrm>
-          <a:off x="6552523" y="3710113"/>
-          <a:ext cx="6228166" cy="2473409"/>
-        </a:xfrm>
-        <a:prstGeom prst="rect">
-          <a:avLst/>
-        </a:prstGeom>
-        <a:noFill/>
-        <a:ln>
-          <a:noFill/>
-        </a:ln>
-        <a:effectLst/>
-      </dsp:spPr>
-      <dsp:style>
-        <a:lnRef idx="0">
-          <a:scrgbClr r="0" g="0" b="0"/>
-        </a:lnRef>
-        <a:fillRef idx="0">
-          <a:scrgbClr r="0" g="0" b="0"/>
-        </a:fillRef>
-        <a:effectRef idx="0">
-          <a:scrgbClr r="0" g="0" b="0"/>
-        </a:effectRef>
-        <a:fontRef idx="minor"/>
-      </dsp:style>
-      <dsp:txBody>
-        <a:bodyPr spcFirstLastPara="0" vert="horz" wrap="square" lIns="568960" tIns="568960" rIns="568960" bIns="568960" numCol="1" spcCol="1270" anchor="t" anchorCtr="0">
-          <a:noAutofit/>
-        </a:bodyPr>
-        <a:lstStyle/>
-        <a:p>
-          <a:pPr lvl="0" algn="ctr" defTabSz="3556000">
-            <a:lnSpc>
-              <a:spcPct val="90000"/>
-            </a:lnSpc>
-            <a:spcBef>
-              <a:spcPct val="0"/>
-            </a:spcBef>
-            <a:spcAft>
-              <a:spcPct val="35000"/>
-            </a:spcAft>
-          </a:pPr>
-          <a:r>
-            <a:rPr lang="es-MX" sz="8000" kern="1200" dirty="0" smtClean="0"/>
-            <a:t>Primavera</a:t>
-          </a:r>
-          <a:endParaRPr lang="es-MX" sz="8000" kern="1200" dirty="0"/>
-        </a:p>
-      </dsp:txBody>
-      <dsp:txXfrm>
-        <a:off x="6552523" y="3710113"/>
-        <a:ext cx="6228166" cy="2473409"/>
-      </dsp:txXfrm>
-    </dsp:sp>
-    <dsp:sp modelId="{2EE949D4-06BC-47E9-89E3-21A85CDF225B}">
-      <dsp:nvSpPr>
-        <dsp:cNvPr id="0" name=""/>
-        <dsp:cNvSpPr/>
-      </dsp:nvSpPr>
-      <dsp:spPr>
-        <a:xfrm>
-          <a:off x="9288608" y="2713762"/>
-          <a:ext cx="755997" cy="755997"/>
-        </a:xfrm>
-        <a:prstGeom prst="ellipse">
-          <a:avLst/>
-        </a:prstGeom>
-        <a:solidFill>
-          <a:srgbClr val="00B050"/>
-        </a:solidFill>
-        <a:ln w="12700" cap="flat" cmpd="sng" algn="ctr">
-          <a:solidFill>
-            <a:schemeClr val="lt2">
-              <a:hueOff val="0"/>
-              <a:satOff val="0"/>
-              <a:lumOff val="0"/>
-              <a:alphaOff val="0"/>
-            </a:schemeClr>
-          </a:solidFill>
-          <a:prstDash val="solid"/>
-          <a:miter lim="800000"/>
-        </a:ln>
-        <a:effectLst/>
-      </dsp:spPr>
-      <dsp:style>
-        <a:lnRef idx="2">
-          <a:scrgbClr r="0" g="0" b="0"/>
-        </a:lnRef>
-        <a:fillRef idx="1">
-          <a:scrgbClr r="0" g="0" b="0"/>
-        </a:fillRef>
-        <a:effectRef idx="0">
-          <a:scrgbClr r="0" g="0" b="0"/>
-        </a:effectRef>
-        <a:fontRef idx="minor">
-          <a:schemeClr val="lt1"/>
-        </a:fontRef>
-      </dsp:style>
-    </dsp:sp>
-    <dsp:sp modelId="{E7030B06-E963-4B04-B84D-10295E472AC5}">
-      <dsp:nvSpPr>
-        <dsp:cNvPr id="0" name=""/>
-        <dsp:cNvSpPr/>
-      </dsp:nvSpPr>
-      <dsp:spPr>
-        <a:xfrm>
-          <a:off x="13092098" y="0"/>
-          <a:ext cx="6228166" cy="2473409"/>
-        </a:xfrm>
-        <a:prstGeom prst="rect">
-          <a:avLst/>
-        </a:prstGeom>
-        <a:noFill/>
-        <a:ln>
-          <a:noFill/>
-        </a:ln>
-        <a:effectLst/>
-      </dsp:spPr>
-      <dsp:style>
-        <a:lnRef idx="0">
-          <a:scrgbClr r="0" g="0" b="0"/>
-        </a:lnRef>
-        <a:fillRef idx="0">
-          <a:scrgbClr r="0" g="0" b="0"/>
-        </a:fillRef>
-        <a:effectRef idx="0">
-          <a:scrgbClr r="0" g="0" b="0"/>
-        </a:effectRef>
-        <a:fontRef idx="minor"/>
-      </dsp:style>
-      <dsp:txBody>
-        <a:bodyPr spcFirstLastPara="0" vert="horz" wrap="square" lIns="568960" tIns="568960" rIns="568960" bIns="568960" numCol="1" spcCol="1270" anchor="b" anchorCtr="0">
-          <a:noAutofit/>
-        </a:bodyPr>
-        <a:lstStyle/>
-        <a:p>
-          <a:pPr lvl="0" algn="ctr" defTabSz="3556000">
-            <a:lnSpc>
-              <a:spcPct val="90000"/>
-            </a:lnSpc>
-            <a:spcBef>
-              <a:spcPct val="0"/>
-            </a:spcBef>
-            <a:spcAft>
-              <a:spcPct val="35000"/>
-            </a:spcAft>
-          </a:pPr>
-          <a:r>
-            <a:rPr lang="es-MX" sz="8000" kern="1200" dirty="0" smtClean="0"/>
-            <a:t>Verano</a:t>
-          </a:r>
-          <a:endParaRPr lang="es-MX" sz="8000" kern="1200" dirty="0"/>
-        </a:p>
-      </dsp:txBody>
-      <dsp:txXfrm>
-        <a:off x="13092098" y="0"/>
-        <a:ext cx="6228166" cy="2473409"/>
-      </dsp:txXfrm>
-    </dsp:sp>
-    <dsp:sp modelId="{D5794BDF-0354-4D85-87D9-AB090C948BEB}">
-      <dsp:nvSpPr>
-        <dsp:cNvPr id="0" name=""/>
-        <dsp:cNvSpPr/>
-      </dsp:nvSpPr>
-      <dsp:spPr>
-        <a:xfrm>
-          <a:off x="15828182" y="2713762"/>
-          <a:ext cx="755997" cy="755997"/>
-        </a:xfrm>
-        <a:prstGeom prst="ellipse">
-          <a:avLst/>
-        </a:prstGeom>
-        <a:solidFill>
-          <a:schemeClr val="accent4"/>
-        </a:solidFill>
-        <a:ln w="12700" cap="flat" cmpd="sng" algn="ctr">
-          <a:solidFill>
-            <a:schemeClr val="lt2">
-              <a:hueOff val="0"/>
-              <a:satOff val="0"/>
-              <a:lumOff val="0"/>
-              <a:alphaOff val="0"/>
-            </a:schemeClr>
-          </a:solidFill>
-          <a:prstDash val="solid"/>
-          <a:miter lim="800000"/>
-        </a:ln>
-        <a:effectLst/>
-      </dsp:spPr>
-      <dsp:style>
-        <a:lnRef idx="2">
-          <a:scrgbClr r="0" g="0" b="0"/>
-        </a:lnRef>
-        <a:fillRef idx="1">
-          <a:scrgbClr r="0" g="0" b="0"/>
-        </a:fillRef>
-        <a:effectRef idx="0">
-          <a:scrgbClr r="0" g="0" b="0"/>
-        </a:effectRef>
-        <a:fontRef idx="minor">
-          <a:schemeClr val="lt1"/>
-        </a:fontRef>
-      </dsp:style>
-    </dsp:sp>
-    <dsp:sp modelId="{74D9C024-FC10-4B8F-BA83-348F88D96874}">
-      <dsp:nvSpPr>
-        <dsp:cNvPr id="0" name=""/>
-        <dsp:cNvSpPr/>
-      </dsp:nvSpPr>
-      <dsp:spPr>
-        <a:xfrm>
-          <a:off x="19631673" y="3710113"/>
-          <a:ext cx="6228166" cy="2473409"/>
-        </a:xfrm>
-        <a:prstGeom prst="rect">
-          <a:avLst/>
-        </a:prstGeom>
-        <a:noFill/>
-        <a:ln>
-          <a:noFill/>
-        </a:ln>
-        <a:effectLst/>
-      </dsp:spPr>
-      <dsp:style>
-        <a:lnRef idx="0">
-          <a:scrgbClr r="0" g="0" b="0"/>
-        </a:lnRef>
-        <a:fillRef idx="0">
-          <a:scrgbClr r="0" g="0" b="0"/>
-        </a:fillRef>
-        <a:effectRef idx="0">
-          <a:scrgbClr r="0" g="0" b="0"/>
-        </a:effectRef>
-        <a:fontRef idx="minor"/>
-      </dsp:style>
-      <dsp:txBody>
-        <a:bodyPr spcFirstLastPara="0" vert="horz" wrap="square" lIns="568960" tIns="568960" rIns="568960" bIns="568960" numCol="1" spcCol="1270" anchor="t" anchorCtr="0">
-          <a:noAutofit/>
-        </a:bodyPr>
-        <a:lstStyle/>
-        <a:p>
-          <a:pPr lvl="0" algn="ctr" defTabSz="3556000">
-            <a:lnSpc>
-              <a:spcPct val="90000"/>
-            </a:lnSpc>
-            <a:spcBef>
-              <a:spcPct val="0"/>
-            </a:spcBef>
-            <a:spcAft>
-              <a:spcPct val="35000"/>
-            </a:spcAft>
-          </a:pPr>
-          <a:r>
-            <a:rPr lang="es-MX" sz="8000" kern="1200" dirty="0" smtClean="0"/>
-            <a:t>Otoño</a:t>
-          </a:r>
-          <a:endParaRPr lang="es-MX" sz="8000" kern="1200" dirty="0"/>
-        </a:p>
-      </dsp:txBody>
-      <dsp:txXfrm>
-        <a:off x="19631673" y="3710113"/>
-        <a:ext cx="6228166" cy="2473409"/>
-      </dsp:txXfrm>
-    </dsp:sp>
-    <dsp:sp modelId="{E9DF1AEF-D1D9-463B-8116-3F1D981FFD96}">
-      <dsp:nvSpPr>
-        <dsp:cNvPr id="0" name=""/>
-        <dsp:cNvSpPr/>
-      </dsp:nvSpPr>
-      <dsp:spPr>
-        <a:xfrm>
-          <a:off x="22367757" y="2713762"/>
-          <a:ext cx="755997" cy="755997"/>
-        </a:xfrm>
-        <a:prstGeom prst="ellipse">
-          <a:avLst/>
-        </a:prstGeom>
-        <a:solidFill>
-          <a:schemeClr val="accent2">
-            <a:lumMod val="75000"/>
-          </a:schemeClr>
-        </a:solidFill>
-        <a:ln w="12700" cap="flat" cmpd="sng" algn="ctr">
-          <a:solidFill>
-            <a:schemeClr val="lt2">
-              <a:hueOff val="0"/>
-              <a:satOff val="0"/>
-              <a:lumOff val="0"/>
-              <a:alphaOff val="0"/>
-            </a:schemeClr>
-          </a:solidFill>
-          <a:prstDash val="solid"/>
-          <a:miter lim="800000"/>
-        </a:ln>
-        <a:effectLst/>
-      </dsp:spPr>
-      <dsp:style>
-        <a:lnRef idx="2">
-          <a:scrgbClr r="0" g="0" b="0"/>
-        </a:lnRef>
-        <a:fillRef idx="1">
-          <a:scrgbClr r="0" g="0" b="0"/>
-        </a:fillRef>
-        <a:effectRef idx="0">
-          <a:scrgbClr r="0" g="0" b="0"/>
-        </a:effectRef>
-        <a:fontRef idx="minor">
-          <a:schemeClr val="lt1"/>
-        </a:fontRef>
-      </dsp:style>
-    </dsp:sp>
   </dsp:spTree>
 </dsp:drawing>
 </file>
@@ -11331,7 +9940,7 @@
           <a:p>
             <a:fld id="{F5310C8A-86F5-4E21-910C-8BDBE574C86E}" type="datetimeFigureOut">
               <a:rPr lang="es-MX" smtClean="0"/>
-              <a:t>04/10/2025</a:t>
+              <a:t>06/10/2025</a:t>
             </a:fld>
             <a:endParaRPr lang="es-MX"/>
           </a:p>
@@ -11501,7 +10110,7 @@
           <a:p>
             <a:fld id="{F5310C8A-86F5-4E21-910C-8BDBE574C86E}" type="datetimeFigureOut">
               <a:rPr lang="es-MX" smtClean="0"/>
-              <a:t>04/10/2025</a:t>
+              <a:t>06/10/2025</a:t>
             </a:fld>
             <a:endParaRPr lang="es-MX"/>
           </a:p>
@@ -11681,7 +10290,7 @@
           <a:p>
             <a:fld id="{F5310C8A-86F5-4E21-910C-8BDBE574C86E}" type="datetimeFigureOut">
               <a:rPr lang="es-MX" smtClean="0"/>
-              <a:t>04/10/2025</a:t>
+              <a:t>06/10/2025</a:t>
             </a:fld>
             <a:endParaRPr lang="es-MX"/>
           </a:p>
@@ -11851,7 +10460,7 @@
           <a:p>
             <a:fld id="{F5310C8A-86F5-4E21-910C-8BDBE574C86E}" type="datetimeFigureOut">
               <a:rPr lang="es-MX" smtClean="0"/>
-              <a:t>04/10/2025</a:t>
+              <a:t>06/10/2025</a:t>
             </a:fld>
             <a:endParaRPr lang="es-MX"/>
           </a:p>
@@ -12095,7 +10704,7 @@
           <a:p>
             <a:fld id="{F5310C8A-86F5-4E21-910C-8BDBE574C86E}" type="datetimeFigureOut">
               <a:rPr lang="es-MX" smtClean="0"/>
-              <a:t>04/10/2025</a:t>
+              <a:t>06/10/2025</a:t>
             </a:fld>
             <a:endParaRPr lang="es-MX"/>
           </a:p>
@@ -12327,7 +10936,7 @@
           <a:p>
             <a:fld id="{F5310C8A-86F5-4E21-910C-8BDBE574C86E}" type="datetimeFigureOut">
               <a:rPr lang="es-MX" smtClean="0"/>
-              <a:t>04/10/2025</a:t>
+              <a:t>06/10/2025</a:t>
             </a:fld>
             <a:endParaRPr lang="es-MX"/>
           </a:p>
@@ -12694,7 +11303,7 @@
           <a:p>
             <a:fld id="{F5310C8A-86F5-4E21-910C-8BDBE574C86E}" type="datetimeFigureOut">
               <a:rPr lang="es-MX" smtClean="0"/>
-              <a:t>04/10/2025</a:t>
+              <a:t>06/10/2025</a:t>
             </a:fld>
             <a:endParaRPr lang="es-MX"/>
           </a:p>
@@ -12812,7 +11421,7 @@
           <a:p>
             <a:fld id="{F5310C8A-86F5-4E21-910C-8BDBE574C86E}" type="datetimeFigureOut">
               <a:rPr lang="es-MX" smtClean="0"/>
-              <a:t>04/10/2025</a:t>
+              <a:t>06/10/2025</a:t>
             </a:fld>
             <a:endParaRPr lang="es-MX"/>
           </a:p>
@@ -12907,7 +11516,7 @@
           <a:p>
             <a:fld id="{F5310C8A-86F5-4E21-910C-8BDBE574C86E}" type="datetimeFigureOut">
               <a:rPr lang="es-MX" smtClean="0"/>
-              <a:t>04/10/2025</a:t>
+              <a:t>06/10/2025</a:t>
             </a:fld>
             <a:endParaRPr lang="es-MX"/>
           </a:p>
@@ -13184,7 +11793,7 @@
           <a:p>
             <a:fld id="{F5310C8A-86F5-4E21-910C-8BDBE574C86E}" type="datetimeFigureOut">
               <a:rPr lang="es-MX" smtClean="0"/>
-              <a:t>04/10/2025</a:t>
+              <a:t>06/10/2025</a:t>
             </a:fld>
             <a:endParaRPr lang="es-MX"/>
           </a:p>
@@ -13441,7 +12050,7 @@
           <a:p>
             <a:fld id="{F5310C8A-86F5-4E21-910C-8BDBE574C86E}" type="datetimeFigureOut">
               <a:rPr lang="es-MX" smtClean="0"/>
-              <a:t>04/10/2025</a:t>
+              <a:t>06/10/2025</a:t>
             </a:fld>
             <a:endParaRPr lang="es-MX"/>
           </a:p>
@@ -13654,7 +12263,7 @@
           <a:p>
             <a:fld id="{F5310C8A-86F5-4E21-910C-8BDBE574C86E}" type="datetimeFigureOut">
               <a:rPr lang="es-MX" smtClean="0"/>
-              <a:t>04/10/2025</a:t>
+              <a:t>06/10/2025</a:t>
             </a:fld>
             <a:endParaRPr lang="es-MX"/>
           </a:p>
@@ -15814,6 +14423,136 @@
 </p:sld>
 </file>
 
+<file path=ppt/slides/slide8.xml><?xml version="1.0" encoding="utf-8"?>
+<p:sld xmlns:a="http://schemas.openxmlformats.org/drawingml/2006/main" xmlns:r="http://schemas.openxmlformats.org/officeDocument/2006/relationships" xmlns:p="http://schemas.openxmlformats.org/presentationml/2006/main">
+  <p:cSld>
+    <p:spTree>
+      <p:nvGrpSpPr>
+        <p:cNvPr id="1" name=""/>
+        <p:cNvGrpSpPr/>
+        <p:nvPr/>
+      </p:nvGrpSpPr>
+      <p:grpSpPr>
+        <a:xfrm>
+          <a:off x="0" y="0"/>
+          <a:ext cx="0" cy="0"/>
+          <a:chOff x="0" y="0"/>
+          <a:chExt cx="0" cy="0"/>
+        </a:xfrm>
+      </p:grpSpPr>
+      <p:pic>
+        <p:nvPicPr>
+          <p:cNvPr id="11" name="Imagen 10"/>
+          <p:cNvPicPr>
+            <a:picLocks noChangeAspect="1"/>
+          </p:cNvPicPr>
+          <p:nvPr/>
+        </p:nvPicPr>
+        <p:blipFill>
+          <a:blip r:embed="rId2">
+            <a:extLst>
+              <a:ext uri="{28A0092B-C50C-407E-A947-70E740481C1C}">
+                <a14:useLocalDpi xmlns:a14="http://schemas.microsoft.com/office/drawing/2010/main" val="0"/>
+              </a:ext>
+            </a:extLst>
+          </a:blip>
+          <a:stretch>
+            <a:fillRect/>
+          </a:stretch>
+        </p:blipFill>
+        <p:spPr>
+          <a:xfrm>
+            <a:off x="8967020" y="12794349"/>
+            <a:ext cx="16190512" cy="11009548"/>
+          </a:xfrm>
+          <a:prstGeom prst="rect">
+            <a:avLst/>
+          </a:prstGeom>
+        </p:spPr>
+      </p:pic>
+      <p:pic>
+        <p:nvPicPr>
+          <p:cNvPr id="8" name="Imagen 7"/>
+          <p:cNvPicPr>
+            <a:picLocks noChangeAspect="1"/>
+          </p:cNvPicPr>
+          <p:nvPr/>
+        </p:nvPicPr>
+        <p:blipFill rotWithShape="1">
+          <a:blip r:embed="rId3">
+            <a:extLst>
+              <a:ext uri="{28A0092B-C50C-407E-A947-70E740481C1C}">
+                <a14:useLocalDpi xmlns:a14="http://schemas.microsoft.com/office/drawing/2010/main" val="0"/>
+              </a:ext>
+            </a:extLst>
+          </a:blip>
+          <a:srcRect b="13417"/>
+          <a:stretch/>
+        </p:blipFill>
+        <p:spPr>
+          <a:xfrm>
+            <a:off x="8760543" y="17778956"/>
+            <a:ext cx="6288048" cy="5444401"/>
+          </a:xfrm>
+          <a:prstGeom prst="rect">
+            <a:avLst/>
+          </a:prstGeom>
+        </p:spPr>
+      </p:pic>
+      <p:pic>
+        <p:nvPicPr>
+          <p:cNvPr id="1036" name="Picture 12" descr="ESTÁN LISTAS LAS PIÑAS DEL MAGUEY PARA HACER MEZCAL La madurez del maguey  llegó con la primavera, por lo que ya es momento de hacer &quot;piñas de  maguey&quot;. En JALPA, Zacatecas, ya"/>
+          <p:cNvPicPr>
+            <a:picLocks noChangeAspect="1" noChangeArrowheads="1"/>
+          </p:cNvPicPr>
+          <p:nvPr/>
+        </p:nvPicPr>
+        <p:blipFill>
+          <a:blip r:embed="rId4">
+            <a:extLst>
+              <a:ext uri="{28A0092B-C50C-407E-A947-70E740481C1C}">
+                <a14:useLocalDpi xmlns:a14="http://schemas.microsoft.com/office/drawing/2010/main" val="0"/>
+              </a:ext>
+            </a:extLst>
+          </a:blip>
+          <a:srcRect/>
+          <a:stretch>
+            <a:fillRect/>
+          </a:stretch>
+        </p:blipFill>
+        <p:spPr bwMode="auto">
+          <a:xfrm rot="406248">
+            <a:off x="12759133" y="19920834"/>
+            <a:ext cx="3694519" cy="3678101"/>
+          </a:xfrm>
+          <a:prstGeom prst="rect">
+            <a:avLst/>
+          </a:prstGeom>
+          <a:noFill/>
+          <a:extLst>
+            <a:ext uri="{909E8E84-426E-40DD-AFC4-6F175D3DCCD1}">
+              <a14:hiddenFill xmlns:a14="http://schemas.microsoft.com/office/drawing/2010/main">
+                <a:solidFill>
+                  <a:srgbClr val="FFFFFF"/>
+                </a:solidFill>
+              </a14:hiddenFill>
+            </a:ext>
+          </a:extLst>
+        </p:spPr>
+      </p:pic>
+    </p:spTree>
+    <p:extLst>
+      <p:ext uri="{BB962C8B-B14F-4D97-AF65-F5344CB8AC3E}">
+        <p14:creationId xmlns:p14="http://schemas.microsoft.com/office/powerpoint/2010/main" val="2473777803"/>
+      </p:ext>
+    </p:extLst>
+  </p:cSld>
+  <p:clrMapOvr>
+    <a:masterClrMapping/>
+  </p:clrMapOvr>
+</p:sld>
+</file>
+
 <file path=ppt/theme/theme1.xml><?xml version="1.0" encoding="utf-8"?>
 <a:theme xmlns:a="http://schemas.openxmlformats.org/drawingml/2006/main" name="Tema de Office">
   <a:themeElements>

--- a/_Presentación__Propuesta_de_proyecto/Editables.pptx
+++ b/_Presentación__Propuesta_de_proyecto/Editables.pptx
@@ -13,6 +13,7 @@
     <p:sldId id="261" r:id="rId7"/>
     <p:sldId id="262" r:id="rId8"/>
     <p:sldId id="263" r:id="rId9"/>
+    <p:sldId id="264" r:id="rId10"/>
   </p:sldIdLst>
   <p:sldSz cx="35999738" cy="35999738"/>
   <p:notesSz cx="6858000" cy="9144000"/>
@@ -9940,7 +9941,7 @@
           <a:p>
             <a:fld id="{F5310C8A-86F5-4E21-910C-8BDBE574C86E}" type="datetimeFigureOut">
               <a:rPr lang="es-MX" smtClean="0"/>
-              <a:t>06/10/2025</a:t>
+              <a:t>09/10/2025</a:t>
             </a:fld>
             <a:endParaRPr lang="es-MX"/>
           </a:p>
@@ -10110,7 +10111,7 @@
           <a:p>
             <a:fld id="{F5310C8A-86F5-4E21-910C-8BDBE574C86E}" type="datetimeFigureOut">
               <a:rPr lang="es-MX" smtClean="0"/>
-              <a:t>06/10/2025</a:t>
+              <a:t>09/10/2025</a:t>
             </a:fld>
             <a:endParaRPr lang="es-MX"/>
           </a:p>
@@ -10290,7 +10291,7 @@
           <a:p>
             <a:fld id="{F5310C8A-86F5-4E21-910C-8BDBE574C86E}" type="datetimeFigureOut">
               <a:rPr lang="es-MX" smtClean="0"/>
-              <a:t>06/10/2025</a:t>
+              <a:t>09/10/2025</a:t>
             </a:fld>
             <a:endParaRPr lang="es-MX"/>
           </a:p>
@@ -10460,7 +10461,7 @@
           <a:p>
             <a:fld id="{F5310C8A-86F5-4E21-910C-8BDBE574C86E}" type="datetimeFigureOut">
               <a:rPr lang="es-MX" smtClean="0"/>
-              <a:t>06/10/2025</a:t>
+              <a:t>09/10/2025</a:t>
             </a:fld>
             <a:endParaRPr lang="es-MX"/>
           </a:p>
@@ -10704,7 +10705,7 @@
           <a:p>
             <a:fld id="{F5310C8A-86F5-4E21-910C-8BDBE574C86E}" type="datetimeFigureOut">
               <a:rPr lang="es-MX" smtClean="0"/>
-              <a:t>06/10/2025</a:t>
+              <a:t>09/10/2025</a:t>
             </a:fld>
             <a:endParaRPr lang="es-MX"/>
           </a:p>
@@ -10936,7 +10937,7 @@
           <a:p>
             <a:fld id="{F5310C8A-86F5-4E21-910C-8BDBE574C86E}" type="datetimeFigureOut">
               <a:rPr lang="es-MX" smtClean="0"/>
-              <a:t>06/10/2025</a:t>
+              <a:t>09/10/2025</a:t>
             </a:fld>
             <a:endParaRPr lang="es-MX"/>
           </a:p>
@@ -11303,7 +11304,7 @@
           <a:p>
             <a:fld id="{F5310C8A-86F5-4E21-910C-8BDBE574C86E}" type="datetimeFigureOut">
               <a:rPr lang="es-MX" smtClean="0"/>
-              <a:t>06/10/2025</a:t>
+              <a:t>09/10/2025</a:t>
             </a:fld>
             <a:endParaRPr lang="es-MX"/>
           </a:p>
@@ -11421,7 +11422,7 @@
           <a:p>
             <a:fld id="{F5310C8A-86F5-4E21-910C-8BDBE574C86E}" type="datetimeFigureOut">
               <a:rPr lang="es-MX" smtClean="0"/>
-              <a:t>06/10/2025</a:t>
+              <a:t>09/10/2025</a:t>
             </a:fld>
             <a:endParaRPr lang="es-MX"/>
           </a:p>
@@ -11516,7 +11517,7 @@
           <a:p>
             <a:fld id="{F5310C8A-86F5-4E21-910C-8BDBE574C86E}" type="datetimeFigureOut">
               <a:rPr lang="es-MX" smtClean="0"/>
-              <a:t>06/10/2025</a:t>
+              <a:t>09/10/2025</a:t>
             </a:fld>
             <a:endParaRPr lang="es-MX"/>
           </a:p>
@@ -11793,7 +11794,7 @@
           <a:p>
             <a:fld id="{F5310C8A-86F5-4E21-910C-8BDBE574C86E}" type="datetimeFigureOut">
               <a:rPr lang="es-MX" smtClean="0"/>
-              <a:t>06/10/2025</a:t>
+              <a:t>09/10/2025</a:t>
             </a:fld>
             <a:endParaRPr lang="es-MX"/>
           </a:p>
@@ -12050,7 +12051,7 @@
           <a:p>
             <a:fld id="{F5310C8A-86F5-4E21-910C-8BDBE574C86E}" type="datetimeFigureOut">
               <a:rPr lang="es-MX" smtClean="0"/>
-              <a:t>06/10/2025</a:t>
+              <a:t>09/10/2025</a:t>
             </a:fld>
             <a:endParaRPr lang="es-MX"/>
           </a:p>
@@ -12263,7 +12264,7 @@
           <a:p>
             <a:fld id="{F5310C8A-86F5-4E21-910C-8BDBE574C86E}" type="datetimeFigureOut">
               <a:rPr lang="es-MX" smtClean="0"/>
-              <a:t>06/10/2025</a:t>
+              <a:t>09/10/2025</a:t>
             </a:fld>
             <a:endParaRPr lang="es-MX"/>
           </a:p>
@@ -14553,6 +14554,106 @@
 </p:sld>
 </file>
 
+<file path=ppt/slides/slide9.xml><?xml version="1.0" encoding="utf-8"?>
+<p:sld xmlns:a="http://schemas.openxmlformats.org/drawingml/2006/main" xmlns:r="http://schemas.openxmlformats.org/officeDocument/2006/relationships" xmlns:p="http://schemas.openxmlformats.org/presentationml/2006/main">
+  <p:cSld>
+    <p:spTree>
+      <p:nvGrpSpPr>
+        <p:cNvPr id="1" name=""/>
+        <p:cNvGrpSpPr/>
+        <p:nvPr/>
+      </p:nvGrpSpPr>
+      <p:grpSpPr>
+        <a:xfrm>
+          <a:off x="0" y="0"/>
+          <a:ext cx="0" cy="0"/>
+          <a:chOff x="0" y="0"/>
+          <a:chExt cx="0" cy="0"/>
+        </a:xfrm>
+      </p:grpSpPr>
+      <p:pic>
+        <p:nvPicPr>
+          <p:cNvPr id="4" name="Imagen 3"/>
+          <p:cNvPicPr>
+            <a:picLocks noChangeAspect="1"/>
+          </p:cNvPicPr>
+          <p:nvPr/>
+        </p:nvPicPr>
+        <p:blipFill rotWithShape="1">
+          <a:blip r:embed="rId2">
+            <a:extLst>
+              <a:ext uri="{28A0092B-C50C-407E-A947-70E740481C1C}">
+                <a14:useLocalDpi xmlns:a14="http://schemas.microsoft.com/office/drawing/2010/main" val="0"/>
+              </a:ext>
+            </a:extLst>
+          </a:blip>
+          <a:srcRect b="13417"/>
+          <a:stretch/>
+        </p:blipFill>
+        <p:spPr>
+          <a:xfrm>
+            <a:off x="4862311" y="14987629"/>
+            <a:ext cx="6288048" cy="5444401"/>
+          </a:xfrm>
+          <a:prstGeom prst="rect">
+            <a:avLst/>
+          </a:prstGeom>
+        </p:spPr>
+      </p:pic>
+      <p:pic>
+        <p:nvPicPr>
+          <p:cNvPr id="5" name="Picture 12" descr="ESTÁN LISTAS LAS PIÑAS DEL MAGUEY PARA HACER MEZCAL La madurez del maguey  llegó con la primavera, por lo que ya es momento de hacer &quot;piñas de  maguey&quot;. En JALPA, Zacatecas, ya"/>
+          <p:cNvPicPr>
+            <a:picLocks noChangeAspect="1" noChangeArrowheads="1"/>
+          </p:cNvPicPr>
+          <p:nvPr/>
+        </p:nvPicPr>
+        <p:blipFill>
+          <a:blip r:embed="rId3">
+            <a:extLst>
+              <a:ext uri="{28A0092B-C50C-407E-A947-70E740481C1C}">
+                <a14:useLocalDpi xmlns:a14="http://schemas.microsoft.com/office/drawing/2010/main" val="0"/>
+              </a:ext>
+            </a:extLst>
+          </a:blip>
+          <a:srcRect/>
+          <a:stretch>
+            <a:fillRect/>
+          </a:stretch>
+        </p:blipFill>
+        <p:spPr bwMode="auto">
+          <a:xfrm rot="406248">
+            <a:off x="19785574" y="16548967"/>
+            <a:ext cx="3694519" cy="3678101"/>
+          </a:xfrm>
+          <a:prstGeom prst="rect">
+            <a:avLst/>
+          </a:prstGeom>
+          <a:noFill/>
+          <a:extLst>
+            <a:ext uri="{909E8E84-426E-40DD-AFC4-6F175D3DCCD1}">
+              <a14:hiddenFill xmlns:a14="http://schemas.microsoft.com/office/drawing/2010/main">
+                <a:solidFill>
+                  <a:srgbClr val="FFFFFF"/>
+                </a:solidFill>
+              </a14:hiddenFill>
+            </a:ext>
+          </a:extLst>
+        </p:spPr>
+      </p:pic>
+    </p:spTree>
+    <p:extLst>
+      <p:ext uri="{BB962C8B-B14F-4D97-AF65-F5344CB8AC3E}">
+        <p14:creationId xmlns:p14="http://schemas.microsoft.com/office/powerpoint/2010/main" val="3234849206"/>
+      </p:ext>
+    </p:extLst>
+  </p:cSld>
+  <p:clrMapOvr>
+    <a:masterClrMapping/>
+  </p:clrMapOvr>
+</p:sld>
+</file>
+
 <file path=ppt/theme/theme1.xml><?xml version="1.0" encoding="utf-8"?>
 <a:theme xmlns:a="http://schemas.openxmlformats.org/drawingml/2006/main" name="Tema de Office">
   <a:themeElements>
